--- a/slides/Challenges-of-Cloud-Migrations-Aug22.pptx
+++ b/slides/Challenges-of-Cloud-Migrations-Aug22.pptx
@@ -5,31 +5,33 @@
     <p:sldMasterId id="2147483648" r:id="rId1"/>
   </p:sldMasterIdLst>
   <p:notesMasterIdLst>
-    <p:notesMasterId r:id="rId24"/>
+    <p:notesMasterId r:id="rId26"/>
   </p:notesMasterIdLst>
   <p:sldIdLst>
     <p:sldId id="256" r:id="rId2"/>
     <p:sldId id="259" r:id="rId3"/>
-    <p:sldId id="265" r:id="rId4"/>
-    <p:sldId id="260" r:id="rId5"/>
-    <p:sldId id="264" r:id="rId6"/>
-    <p:sldId id="262" r:id="rId7"/>
-    <p:sldId id="273" r:id="rId8"/>
-    <p:sldId id="266" r:id="rId9"/>
-    <p:sldId id="269" r:id="rId10"/>
-    <p:sldId id="257" r:id="rId11"/>
-    <p:sldId id="261" r:id="rId12"/>
-    <p:sldId id="267" r:id="rId13"/>
-    <p:sldId id="268" r:id="rId14"/>
-    <p:sldId id="270" r:id="rId15"/>
-    <p:sldId id="271" r:id="rId16"/>
-    <p:sldId id="272" r:id="rId17"/>
-    <p:sldId id="263" r:id="rId18"/>
-    <p:sldId id="276" r:id="rId19"/>
-    <p:sldId id="277" r:id="rId20"/>
-    <p:sldId id="279" r:id="rId21"/>
-    <p:sldId id="280" r:id="rId22"/>
-    <p:sldId id="278" r:id="rId23"/>
+    <p:sldId id="281" r:id="rId4"/>
+    <p:sldId id="265" r:id="rId5"/>
+    <p:sldId id="260" r:id="rId6"/>
+    <p:sldId id="264" r:id="rId7"/>
+    <p:sldId id="262" r:id="rId8"/>
+    <p:sldId id="273" r:id="rId9"/>
+    <p:sldId id="266" r:id="rId10"/>
+    <p:sldId id="269" r:id="rId11"/>
+    <p:sldId id="257" r:id="rId12"/>
+    <p:sldId id="261" r:id="rId13"/>
+    <p:sldId id="267" r:id="rId14"/>
+    <p:sldId id="268" r:id="rId15"/>
+    <p:sldId id="270" r:id="rId16"/>
+    <p:sldId id="271" r:id="rId17"/>
+    <p:sldId id="272" r:id="rId18"/>
+    <p:sldId id="263" r:id="rId19"/>
+    <p:sldId id="276" r:id="rId20"/>
+    <p:sldId id="277" r:id="rId21"/>
+    <p:sldId id="279" r:id="rId22"/>
+    <p:sldId id="280" r:id="rId23"/>
+    <p:sldId id="278" r:id="rId24"/>
+    <p:sldId id="282" r:id="rId25"/>
   </p:sldIdLst>
   <p:sldSz cx="12192000" cy="6858000"/>
   <p:notesSz cx="6858000" cy="9144000"/>
@@ -139,7 +141,7 @@
 <file path=ppt/revisionInfo.xml><?xml version="1.0" encoding="utf-8"?>
 <p1510:revInfo xmlns:a="http://schemas.openxmlformats.org/drawingml/2006/main" xmlns:r="http://schemas.openxmlformats.org/officeDocument/2006/relationships" xmlns:p1510="http://schemas.microsoft.com/office/powerpoint/2015/10/main">
   <p1510:revLst>
-    <p1510:client id="{01F56114-1E88-4CB3-B71C-D72FCC2DC752}" v="5" dt="2022-08-02T10:22:53.911"/>
+    <p1510:client id="{01F56114-1E88-4CB3-B71C-D72FCC2DC752}" v="6" dt="2022-08-05T07:53:03.296"/>
   </p1510:revLst>
 </p1510:revInfo>
 </file>
@@ -706,10 +708,25 @@
   <pc:docChgLst>
     <pc:chgData name="Wriju Ghosh" userId="93330360-ec5c-4afd-b5e4-d283febfe7a2" providerId="ADAL" clId="{01F56114-1E88-4CB3-B71C-D72FCC2DC752}"/>
     <pc:docChg chg="custSel addSld delSld modSld sldOrd">
-      <pc:chgData name="Wriju Ghosh" userId="93330360-ec5c-4afd-b5e4-d283febfe7a2" providerId="ADAL" clId="{01F56114-1E88-4CB3-B71C-D72FCC2DC752}" dt="2022-08-05T07:30:05.528" v="1809" actId="20577"/>
+      <pc:chgData name="Wriju Ghosh" userId="93330360-ec5c-4afd-b5e4-d283febfe7a2" providerId="ADAL" clId="{01F56114-1E88-4CB3-B71C-D72FCC2DC752}" dt="2022-08-05T08:02:30.786" v="2189" actId="20577"/>
       <pc:docMkLst>
         <pc:docMk/>
       </pc:docMkLst>
+      <pc:sldChg chg="modSp mod">
+        <pc:chgData name="Wriju Ghosh" userId="93330360-ec5c-4afd-b5e4-d283febfe7a2" providerId="ADAL" clId="{01F56114-1E88-4CB3-B71C-D72FCC2DC752}" dt="2022-08-05T07:58:31.876" v="2069" actId="20577"/>
+        <pc:sldMkLst>
+          <pc:docMk/>
+          <pc:sldMk cId="1296609067" sldId="257"/>
+        </pc:sldMkLst>
+        <pc:spChg chg="mod">
+          <ac:chgData name="Wriju Ghosh" userId="93330360-ec5c-4afd-b5e4-d283febfe7a2" providerId="ADAL" clId="{01F56114-1E88-4CB3-B71C-D72FCC2DC752}" dt="2022-08-05T07:58:31.876" v="2069" actId="20577"/>
+          <ac:spMkLst>
+            <pc:docMk/>
+            <pc:sldMk cId="1296609067" sldId="257"/>
+            <ac:spMk id="3" creationId="{83A40941-C855-6F5A-F98D-48BAA84D548C}"/>
+          </ac:spMkLst>
+        </pc:spChg>
+      </pc:sldChg>
       <pc:sldChg chg="modSp mod">
         <pc:chgData name="Wriju Ghosh" userId="93330360-ec5c-4afd-b5e4-d283febfe7a2" providerId="ADAL" clId="{01F56114-1E88-4CB3-B71C-D72FCC2DC752}" dt="2022-08-05T05:48:24.951" v="1063" actId="20577"/>
         <pc:sldMkLst>
@@ -726,13 +743,13 @@
         </pc:spChg>
       </pc:sldChg>
       <pc:sldChg chg="modSp mod">
-        <pc:chgData name="Wriju Ghosh" userId="93330360-ec5c-4afd-b5e4-d283febfe7a2" providerId="ADAL" clId="{01F56114-1E88-4CB3-B71C-D72FCC2DC752}" dt="2022-08-02T07:02:54.667" v="65" actId="20577"/>
+        <pc:chgData name="Wriju Ghosh" userId="93330360-ec5c-4afd-b5e4-d283febfe7a2" providerId="ADAL" clId="{01F56114-1E88-4CB3-B71C-D72FCC2DC752}" dt="2022-08-05T07:58:53.676" v="2070" actId="20577"/>
         <pc:sldMkLst>
           <pc:docMk/>
           <pc:sldMk cId="530745361" sldId="261"/>
         </pc:sldMkLst>
         <pc:spChg chg="mod">
-          <ac:chgData name="Wriju Ghosh" userId="93330360-ec5c-4afd-b5e4-d283febfe7a2" providerId="ADAL" clId="{01F56114-1E88-4CB3-B71C-D72FCC2DC752}" dt="2022-08-02T07:02:54.667" v="65" actId="20577"/>
+          <ac:chgData name="Wriju Ghosh" userId="93330360-ec5c-4afd-b5e4-d283febfe7a2" providerId="ADAL" clId="{01F56114-1E88-4CB3-B71C-D72FCC2DC752}" dt="2022-08-05T07:58:53.676" v="2070" actId="20577"/>
           <ac:spMkLst>
             <pc:docMk/>
             <pc:sldMk cId="530745361" sldId="261"/>
@@ -741,7 +758,7 @@
         </pc:spChg>
       </pc:sldChg>
       <pc:sldChg chg="modSp mod">
-        <pc:chgData name="Wriju Ghosh" userId="93330360-ec5c-4afd-b5e4-d283febfe7a2" providerId="ADAL" clId="{01F56114-1E88-4CB3-B71C-D72FCC2DC752}" dt="2022-08-05T05:50:12.801" v="1173" actId="20577"/>
+        <pc:chgData name="Wriju Ghosh" userId="93330360-ec5c-4afd-b5e4-d283febfe7a2" providerId="ADAL" clId="{01F56114-1E88-4CB3-B71C-D72FCC2DC752}" dt="2022-08-05T07:56:57.823" v="1981" actId="20577"/>
         <pc:sldMkLst>
           <pc:docMk/>
           <pc:sldMk cId="3963588310" sldId="262"/>
@@ -755,7 +772,7 @@
           </ac:spMkLst>
         </pc:spChg>
         <pc:spChg chg="mod">
-          <ac:chgData name="Wriju Ghosh" userId="93330360-ec5c-4afd-b5e4-d283febfe7a2" providerId="ADAL" clId="{01F56114-1E88-4CB3-B71C-D72FCC2DC752}" dt="2022-08-05T05:50:12.801" v="1173" actId="20577"/>
+          <ac:chgData name="Wriju Ghosh" userId="93330360-ec5c-4afd-b5e4-d283febfe7a2" providerId="ADAL" clId="{01F56114-1E88-4CB3-B71C-D72FCC2DC752}" dt="2022-08-05T07:56:57.823" v="1981" actId="20577"/>
           <ac:spMkLst>
             <pc:docMk/>
             <pc:sldMk cId="3963588310" sldId="262"/>
@@ -786,15 +803,23 @@
           </ac:spMkLst>
         </pc:spChg>
       </pc:sldChg>
-      <pc:sldChg chg="ord">
-        <pc:chgData name="Wriju Ghosh" userId="93330360-ec5c-4afd-b5e4-d283febfe7a2" providerId="ADAL" clId="{01F56114-1E88-4CB3-B71C-D72FCC2DC752}" dt="2022-08-05T05:51:13.387" v="1175"/>
+      <pc:sldChg chg="modSp mod ord">
+        <pc:chgData name="Wriju Ghosh" userId="93330360-ec5c-4afd-b5e4-d283febfe7a2" providerId="ADAL" clId="{01F56114-1E88-4CB3-B71C-D72FCC2DC752}" dt="2022-08-05T07:56:33.740" v="1973" actId="21"/>
         <pc:sldMkLst>
           <pc:docMk/>
           <pc:sldMk cId="244203201" sldId="264"/>
         </pc:sldMkLst>
+        <pc:spChg chg="mod">
+          <ac:chgData name="Wriju Ghosh" userId="93330360-ec5c-4afd-b5e4-d283febfe7a2" providerId="ADAL" clId="{01F56114-1E88-4CB3-B71C-D72FCC2DC752}" dt="2022-08-05T07:56:33.740" v="1973" actId="21"/>
+          <ac:spMkLst>
+            <pc:docMk/>
+            <pc:sldMk cId="244203201" sldId="264"/>
+            <ac:spMk id="3" creationId="{83A40941-C855-6F5A-F98D-48BAA84D548C}"/>
+          </ac:spMkLst>
+        </pc:spChg>
       </pc:sldChg>
-      <pc:sldChg chg="modSp mod">
-        <pc:chgData name="Wriju Ghosh" userId="93330360-ec5c-4afd-b5e4-d283febfe7a2" providerId="ADAL" clId="{01F56114-1E88-4CB3-B71C-D72FCC2DC752}" dt="2022-08-05T06:56:31.524" v="1287" actId="20577"/>
+      <pc:sldChg chg="modSp mod ord">
+        <pc:chgData name="Wriju Ghosh" userId="93330360-ec5c-4afd-b5e4-d283febfe7a2" providerId="ADAL" clId="{01F56114-1E88-4CB3-B71C-D72FCC2DC752}" dt="2022-08-05T07:54:55.720" v="1957"/>
         <pc:sldMkLst>
           <pc:docMk/>
           <pc:sldMk cId="3224125050" sldId="265"/>
@@ -809,13 +834,13 @@
         </pc:spChg>
       </pc:sldChg>
       <pc:sldChg chg="modSp mod">
-        <pc:chgData name="Wriju Ghosh" userId="93330360-ec5c-4afd-b5e4-d283febfe7a2" providerId="ADAL" clId="{01F56114-1E88-4CB3-B71C-D72FCC2DC752}" dt="2022-08-02T07:04:47.564" v="208" actId="20577"/>
+        <pc:chgData name="Wriju Ghosh" userId="93330360-ec5c-4afd-b5e4-d283febfe7a2" providerId="ADAL" clId="{01F56114-1E88-4CB3-B71C-D72FCC2DC752}" dt="2022-08-05T07:59:13.849" v="2075" actId="20577"/>
         <pc:sldMkLst>
           <pc:docMk/>
           <pc:sldMk cId="1690820952" sldId="267"/>
         </pc:sldMkLst>
         <pc:spChg chg="mod">
-          <ac:chgData name="Wriju Ghosh" userId="93330360-ec5c-4afd-b5e4-d283febfe7a2" providerId="ADAL" clId="{01F56114-1E88-4CB3-B71C-D72FCC2DC752}" dt="2022-08-02T07:04:47.564" v="208" actId="20577"/>
+          <ac:chgData name="Wriju Ghosh" userId="93330360-ec5c-4afd-b5e4-d283febfe7a2" providerId="ADAL" clId="{01F56114-1E88-4CB3-B71C-D72FCC2DC752}" dt="2022-08-05T07:59:13.849" v="2075" actId="20577"/>
           <ac:spMkLst>
             <pc:docMk/>
             <pc:sldMk cId="1690820952" sldId="267"/>
@@ -824,11 +849,19 @@
         </pc:spChg>
       </pc:sldChg>
       <pc:sldChg chg="modSp mod">
-        <pc:chgData name="Wriju Ghosh" userId="93330360-ec5c-4afd-b5e4-d283febfe7a2" providerId="ADAL" clId="{01F56114-1E88-4CB3-B71C-D72FCC2DC752}" dt="2022-08-02T07:06:28.304" v="324" actId="20577"/>
+        <pc:chgData name="Wriju Ghosh" userId="93330360-ec5c-4afd-b5e4-d283febfe7a2" providerId="ADAL" clId="{01F56114-1E88-4CB3-B71C-D72FCC2DC752}" dt="2022-08-05T07:59:35.279" v="2083" actId="20577"/>
         <pc:sldMkLst>
           <pc:docMk/>
           <pc:sldMk cId="1182977673" sldId="268"/>
         </pc:sldMkLst>
+        <pc:spChg chg="mod">
+          <ac:chgData name="Wriju Ghosh" userId="93330360-ec5c-4afd-b5e4-d283febfe7a2" providerId="ADAL" clId="{01F56114-1E88-4CB3-B71C-D72FCC2DC752}" dt="2022-08-05T07:59:35.279" v="2083" actId="20577"/>
+          <ac:spMkLst>
+            <pc:docMk/>
+            <pc:sldMk cId="1182977673" sldId="268"/>
+            <ac:spMk id="2" creationId="{254533FA-2C88-B92C-F7E6-A0E696BC7870}"/>
+          </ac:spMkLst>
+        </pc:spChg>
         <pc:spChg chg="mod">
           <ac:chgData name="Wriju Ghosh" userId="93330360-ec5c-4afd-b5e4-d283febfe7a2" providerId="ADAL" clId="{01F56114-1E88-4CB3-B71C-D72FCC2DC752}" dt="2022-08-02T07:06:28.304" v="324" actId="20577"/>
           <ac:spMkLst>
@@ -839,7 +872,7 @@
         </pc:spChg>
       </pc:sldChg>
       <pc:sldChg chg="modSp mod">
-        <pc:chgData name="Wriju Ghosh" userId="93330360-ec5c-4afd-b5e4-d283febfe7a2" providerId="ADAL" clId="{01F56114-1E88-4CB3-B71C-D72FCC2DC752}" dt="2022-08-05T05:52:19.621" v="1264" actId="20577"/>
+        <pc:chgData name="Wriju Ghosh" userId="93330360-ec5c-4afd-b5e4-d283febfe7a2" providerId="ADAL" clId="{01F56114-1E88-4CB3-B71C-D72FCC2DC752}" dt="2022-08-05T07:57:47.801" v="2038" actId="20577"/>
         <pc:sldMkLst>
           <pc:docMk/>
           <pc:sldMk cId="1186489050" sldId="269"/>
@@ -853,7 +886,7 @@
           </ac:spMkLst>
         </pc:spChg>
         <pc:spChg chg="mod">
-          <ac:chgData name="Wriju Ghosh" userId="93330360-ec5c-4afd-b5e4-d283febfe7a2" providerId="ADAL" clId="{01F56114-1E88-4CB3-B71C-D72FCC2DC752}" dt="2022-08-05T05:52:19.621" v="1264" actId="20577"/>
+          <ac:chgData name="Wriju Ghosh" userId="93330360-ec5c-4afd-b5e4-d283febfe7a2" providerId="ADAL" clId="{01F56114-1E88-4CB3-B71C-D72FCC2DC752}" dt="2022-08-05T07:57:47.801" v="2038" actId="20577"/>
           <ac:spMkLst>
             <pc:docMk/>
             <pc:sldMk cId="1186489050" sldId="269"/>
@@ -885,7 +918,7 @@
         </pc:spChg>
       </pc:sldChg>
       <pc:sldChg chg="modSp mod">
-        <pc:chgData name="Wriju Ghosh" userId="93330360-ec5c-4afd-b5e4-d283febfe7a2" providerId="ADAL" clId="{01F56114-1E88-4CB3-B71C-D72FCC2DC752}" dt="2022-08-02T08:06:34.086" v="625" actId="20577"/>
+        <pc:chgData name="Wriju Ghosh" userId="93330360-ec5c-4afd-b5e4-d283febfe7a2" providerId="ADAL" clId="{01F56114-1E88-4CB3-B71C-D72FCC2DC752}" dt="2022-08-05T08:00:12.037" v="2089"/>
         <pc:sldMkLst>
           <pc:docMk/>
           <pc:sldMk cId="2354007623" sldId="271"/>
@@ -899,7 +932,7 @@
           </ac:spMkLst>
         </pc:spChg>
         <pc:spChg chg="mod">
-          <ac:chgData name="Wriju Ghosh" userId="93330360-ec5c-4afd-b5e4-d283febfe7a2" providerId="ADAL" clId="{01F56114-1E88-4CB3-B71C-D72FCC2DC752}" dt="2022-08-02T08:06:34.086" v="625" actId="20577"/>
+          <ac:chgData name="Wriju Ghosh" userId="93330360-ec5c-4afd-b5e4-d283febfe7a2" providerId="ADAL" clId="{01F56114-1E88-4CB3-B71C-D72FCC2DC752}" dt="2022-08-05T08:00:12.037" v="2089"/>
           <ac:spMkLst>
             <pc:docMk/>
             <pc:sldMk cId="2354007623" sldId="271"/>
@@ -952,7 +985,7 @@
         </pc:sldMkLst>
       </pc:sldChg>
       <pc:sldChg chg="modSp add mod">
-        <pc:chgData name="Wriju Ghosh" userId="93330360-ec5c-4afd-b5e4-d283febfe7a2" providerId="ADAL" clId="{01F56114-1E88-4CB3-B71C-D72FCC2DC752}" dt="2022-08-02T10:20:24.303" v="747" actId="20577"/>
+        <pc:chgData name="Wriju Ghosh" userId="93330360-ec5c-4afd-b5e4-d283febfe7a2" providerId="ADAL" clId="{01F56114-1E88-4CB3-B71C-D72FCC2DC752}" dt="2022-08-05T08:01:12.115" v="2134" actId="20577"/>
         <pc:sldMkLst>
           <pc:docMk/>
           <pc:sldMk cId="2006871272" sldId="276"/>
@@ -966,7 +999,7 @@
           </ac:spMkLst>
         </pc:spChg>
         <pc:spChg chg="mod">
-          <ac:chgData name="Wriju Ghosh" userId="93330360-ec5c-4afd-b5e4-d283febfe7a2" providerId="ADAL" clId="{01F56114-1E88-4CB3-B71C-D72FCC2DC752}" dt="2022-08-02T10:20:24.303" v="747" actId="20577"/>
+          <ac:chgData name="Wriju Ghosh" userId="93330360-ec5c-4afd-b5e4-d283febfe7a2" providerId="ADAL" clId="{01F56114-1E88-4CB3-B71C-D72FCC2DC752}" dt="2022-08-05T08:01:12.115" v="2134" actId="20577"/>
           <ac:spMkLst>
             <pc:docMk/>
             <pc:sldMk cId="2006871272" sldId="276"/>
@@ -975,13 +1008,13 @@
         </pc:spChg>
       </pc:sldChg>
       <pc:sldChg chg="modSp add mod">
-        <pc:chgData name="Wriju Ghosh" userId="93330360-ec5c-4afd-b5e4-d283febfe7a2" providerId="ADAL" clId="{01F56114-1E88-4CB3-B71C-D72FCC2DC752}" dt="2022-08-05T07:30:05.528" v="1809" actId="20577"/>
+        <pc:chgData name="Wriju Ghosh" userId="93330360-ec5c-4afd-b5e4-d283febfe7a2" providerId="ADAL" clId="{01F56114-1E88-4CB3-B71C-D72FCC2DC752}" dt="2022-08-05T08:01:38.318" v="2152" actId="20577"/>
         <pc:sldMkLst>
           <pc:docMk/>
           <pc:sldMk cId="3605291431" sldId="277"/>
         </pc:sldMkLst>
         <pc:spChg chg="mod">
-          <ac:chgData name="Wriju Ghosh" userId="93330360-ec5c-4afd-b5e4-d283febfe7a2" providerId="ADAL" clId="{01F56114-1E88-4CB3-B71C-D72FCC2DC752}" dt="2022-08-02T10:23:16.460" v="973" actId="6549"/>
+          <ac:chgData name="Wriju Ghosh" userId="93330360-ec5c-4afd-b5e4-d283febfe7a2" providerId="ADAL" clId="{01F56114-1E88-4CB3-B71C-D72FCC2DC752}" dt="2022-08-05T08:01:38.318" v="2152" actId="20577"/>
           <ac:spMkLst>
             <pc:docMk/>
             <pc:sldMk cId="3605291431" sldId="277"/>
@@ -1021,13 +1054,13 @@
         </pc:spChg>
       </pc:sldChg>
       <pc:sldChg chg="modSp add mod">
-        <pc:chgData name="Wriju Ghosh" userId="93330360-ec5c-4afd-b5e4-d283febfe7a2" providerId="ADAL" clId="{01F56114-1E88-4CB3-B71C-D72FCC2DC752}" dt="2022-08-05T07:24:35.116" v="1433" actId="20577"/>
+        <pc:chgData name="Wriju Ghosh" userId="93330360-ec5c-4afd-b5e4-d283febfe7a2" providerId="ADAL" clId="{01F56114-1E88-4CB3-B71C-D72FCC2DC752}" dt="2022-08-05T08:01:50.652" v="2159" actId="20577"/>
         <pc:sldMkLst>
           <pc:docMk/>
           <pc:sldMk cId="4272854111" sldId="279"/>
         </pc:sldMkLst>
         <pc:spChg chg="mod">
-          <ac:chgData name="Wriju Ghosh" userId="93330360-ec5c-4afd-b5e4-d283febfe7a2" providerId="ADAL" clId="{01F56114-1E88-4CB3-B71C-D72FCC2DC752}" dt="2022-08-02T10:23:37.821" v="1011" actId="20577"/>
+          <ac:chgData name="Wriju Ghosh" userId="93330360-ec5c-4afd-b5e4-d283febfe7a2" providerId="ADAL" clId="{01F56114-1E88-4CB3-B71C-D72FCC2DC752}" dt="2022-08-05T08:01:50.652" v="2159" actId="20577"/>
           <ac:spMkLst>
             <pc:docMk/>
             <pc:sldMk cId="4272854111" sldId="279"/>
@@ -1063,6 +1096,84 @@
             <pc:docMk/>
             <pc:sldMk cId="1338547495" sldId="280"/>
             <ac:spMk id="3" creationId="{83A40941-C855-6F5A-F98D-48BAA84D548C}"/>
+          </ac:spMkLst>
+        </pc:spChg>
+      </pc:sldChg>
+      <pc:sldChg chg="modSp add mod modShow">
+        <pc:chgData name="Wriju Ghosh" userId="93330360-ec5c-4afd-b5e4-d283febfe7a2" providerId="ADAL" clId="{01F56114-1E88-4CB3-B71C-D72FCC2DC752}" dt="2022-08-05T07:54:47.838" v="1955" actId="20577"/>
+        <pc:sldMkLst>
+          <pc:docMk/>
+          <pc:sldMk cId="1396909922" sldId="281"/>
+        </pc:sldMkLst>
+        <pc:spChg chg="mod">
+          <ac:chgData name="Wriju Ghosh" userId="93330360-ec5c-4afd-b5e4-d283febfe7a2" providerId="ADAL" clId="{01F56114-1E88-4CB3-B71C-D72FCC2DC752}" dt="2022-08-05T07:53:11.521" v="1822" actId="20577"/>
+          <ac:spMkLst>
+            <pc:docMk/>
+            <pc:sldMk cId="1396909922" sldId="281"/>
+            <ac:spMk id="2" creationId="{254533FA-2C88-B92C-F7E6-A0E696BC7870}"/>
+          </ac:spMkLst>
+        </pc:spChg>
+        <pc:spChg chg="mod">
+          <ac:chgData name="Wriju Ghosh" userId="93330360-ec5c-4afd-b5e4-d283febfe7a2" providerId="ADAL" clId="{01F56114-1E88-4CB3-B71C-D72FCC2DC752}" dt="2022-08-05T07:54:47.838" v="1955" actId="20577"/>
+          <ac:spMkLst>
+            <pc:docMk/>
+            <pc:sldMk cId="1396909922" sldId="281"/>
+            <ac:spMk id="3" creationId="{83A40941-C855-6F5A-F98D-48BAA84D548C}"/>
+          </ac:spMkLst>
+        </pc:spChg>
+      </pc:sldChg>
+      <pc:sldChg chg="addSp delSp modSp new mod modClrScheme chgLayout">
+        <pc:chgData name="Wriju Ghosh" userId="93330360-ec5c-4afd-b5e4-d283febfe7a2" providerId="ADAL" clId="{01F56114-1E88-4CB3-B71C-D72FCC2DC752}" dt="2022-08-05T08:02:30.786" v="2189" actId="20577"/>
+        <pc:sldMkLst>
+          <pc:docMk/>
+          <pc:sldMk cId="3445762015" sldId="282"/>
+        </pc:sldMkLst>
+        <pc:spChg chg="del mod ord">
+          <ac:chgData name="Wriju Ghosh" userId="93330360-ec5c-4afd-b5e4-d283febfe7a2" providerId="ADAL" clId="{01F56114-1E88-4CB3-B71C-D72FCC2DC752}" dt="2022-08-05T08:02:13.118" v="2161" actId="700"/>
+          <ac:spMkLst>
+            <pc:docMk/>
+            <pc:sldMk cId="3445762015" sldId="282"/>
+            <ac:spMk id="2" creationId="{6E074720-AB37-C0AA-A278-79EA4028DB85}"/>
+          </ac:spMkLst>
+        </pc:spChg>
+        <pc:spChg chg="del mod ord">
+          <ac:chgData name="Wriju Ghosh" userId="93330360-ec5c-4afd-b5e4-d283febfe7a2" providerId="ADAL" clId="{01F56114-1E88-4CB3-B71C-D72FCC2DC752}" dt="2022-08-05T08:02:13.118" v="2161" actId="700"/>
+          <ac:spMkLst>
+            <pc:docMk/>
+            <pc:sldMk cId="3445762015" sldId="282"/>
+            <ac:spMk id="3" creationId="{0A2323BA-004A-17D4-2301-1D6E23F0655C}"/>
+          </ac:spMkLst>
+        </pc:spChg>
+        <pc:spChg chg="mod ord">
+          <ac:chgData name="Wriju Ghosh" userId="93330360-ec5c-4afd-b5e4-d283febfe7a2" providerId="ADAL" clId="{01F56114-1E88-4CB3-B71C-D72FCC2DC752}" dt="2022-08-05T08:02:13.118" v="2161" actId="700"/>
+          <ac:spMkLst>
+            <pc:docMk/>
+            <pc:sldMk cId="3445762015" sldId="282"/>
+            <ac:spMk id="4" creationId="{93006145-F821-4591-DE31-2ECCBA5365DC}"/>
+          </ac:spMkLst>
+        </pc:spChg>
+        <pc:spChg chg="mod ord">
+          <ac:chgData name="Wriju Ghosh" userId="93330360-ec5c-4afd-b5e4-d283febfe7a2" providerId="ADAL" clId="{01F56114-1E88-4CB3-B71C-D72FCC2DC752}" dt="2022-08-05T08:02:13.118" v="2161" actId="700"/>
+          <ac:spMkLst>
+            <pc:docMk/>
+            <pc:sldMk cId="3445762015" sldId="282"/>
+            <ac:spMk id="5" creationId="{7D9F2B2B-2B1D-26EC-E91D-F164DEF3FE75}"/>
+          </ac:spMkLst>
+        </pc:spChg>
+        <pc:spChg chg="add mod ord">
+          <ac:chgData name="Wriju Ghosh" userId="93330360-ec5c-4afd-b5e4-d283febfe7a2" providerId="ADAL" clId="{01F56114-1E88-4CB3-B71C-D72FCC2DC752}" dt="2022-08-05T08:02:17.823" v="2170" actId="20577"/>
+          <ac:spMkLst>
+            <pc:docMk/>
+            <pc:sldMk cId="3445762015" sldId="282"/>
+            <ac:spMk id="6" creationId="{5B9BEBA9-BA07-0080-0DB6-65FFE04A85E4}"/>
+          </ac:spMkLst>
+        </pc:spChg>
+        <pc:spChg chg="add mod ord">
+          <ac:chgData name="Wriju Ghosh" userId="93330360-ec5c-4afd-b5e4-d283febfe7a2" providerId="ADAL" clId="{01F56114-1E88-4CB3-B71C-D72FCC2DC752}" dt="2022-08-05T08:02:30.786" v="2189" actId="20577"/>
+          <ac:spMkLst>
+            <pc:docMk/>
+            <pc:sldMk cId="3445762015" sldId="282"/>
+            <ac:spMk id="7" creationId="{3CA48EEA-1123-2764-2D5F-A5DB02DDD72A}"/>
           </ac:spMkLst>
         </pc:spChg>
       </pc:sldChg>
@@ -5900,7 +6011,7 @@
           <a:p>
             <a:r>
               <a:rPr lang="en-US" dirty="0"/>
-              <a:t>Cloud Landing Zone</a:t>
+              <a:t>Industry and Compliance</a:t>
             </a:r>
           </a:p>
         </p:txBody>
@@ -5935,7 +6046,7 @@
             </a:pPr>
             <a:r>
               <a:rPr lang="en-US" dirty="0"/>
-              <a:t>Domain/Industry Specific </a:t>
+              <a:t>Compliance Certification</a:t>
             </a:r>
           </a:p>
           <a:p>
@@ -5948,7 +6059,7 @@
             </a:pPr>
             <a:r>
               <a:rPr lang="en-US" dirty="0"/>
-              <a:t>IAM Strategy </a:t>
+              <a:t>InfoSec is your friend in this journey</a:t>
             </a:r>
           </a:p>
           <a:p>
@@ -5961,17 +6072,27 @@
             </a:pPr>
             <a:r>
               <a:rPr lang="en-US" dirty="0"/>
-              <a:t>Access point internal and external</a:t>
-            </a:r>
-          </a:p>
-        </p:txBody>
-      </p:sp>
-      <p:sp>
-        <p:nvSpPr>
-          <p:cNvPr id="6" name="Footer Placeholder 5">
-            <a:extLst>
-              <a:ext uri="{FF2B5EF4-FFF2-40B4-BE49-F238E27FC236}">
-                <a16:creationId xmlns:a16="http://schemas.microsoft.com/office/drawing/2014/main" id="{DD1527F1-A5AD-B52E-F504-C06BCD515BC1}"/>
+              <a:t>Architecture, Business, Ops --- seamless collaboration</a:t>
+            </a:r>
+          </a:p>
+          <a:p>
+            <a:pPr marL="514350" indent="-514350">
+              <a:lnSpc>
+                <a:spcPct val="200000"/>
+              </a:lnSpc>
+              <a:buFont typeface="+mj-lt"/>
+              <a:buAutoNum type="arabicPeriod"/>
+            </a:pPr>
+            <a:endParaRPr lang="en-US" dirty="0"/>
+          </a:p>
+        </p:txBody>
+      </p:sp>
+      <p:sp>
+        <p:nvSpPr>
+          <p:cNvPr id="4" name="Footer Placeholder 3">
+            <a:extLst>
+              <a:ext uri="{FF2B5EF4-FFF2-40B4-BE49-F238E27FC236}">
+                <a16:creationId xmlns:a16="http://schemas.microsoft.com/office/drawing/2014/main" id="{C37F99E1-F5C6-B7E3-BF1E-1B12E4BE4C54}"/>
               </a:ext>
             </a:extLst>
           </p:cNvPr>
@@ -5996,10 +6117,10 @@
       </p:sp>
       <p:sp>
         <p:nvSpPr>
-          <p:cNvPr id="7" name="Slide Number Placeholder 6">
-            <a:extLst>
-              <a:ext uri="{FF2B5EF4-FFF2-40B4-BE49-F238E27FC236}">
-                <a16:creationId xmlns:a16="http://schemas.microsoft.com/office/drawing/2014/main" id="{05D4AE55-7E12-BF5A-5EAC-B625AFABEA68}"/>
+          <p:cNvPr id="5" name="Slide Number Placeholder 4">
+            <a:extLst>
+              <a:ext uri="{FF2B5EF4-FFF2-40B4-BE49-F238E27FC236}">
+                <a16:creationId xmlns:a16="http://schemas.microsoft.com/office/drawing/2014/main" id="{13C673ED-08D5-EDE7-4BFA-79B68072D703}"/>
               </a:ext>
             </a:extLst>
           </p:cNvPr>
@@ -6026,7 +6147,7 @@
     </p:spTree>
     <p:extLst>
       <p:ext uri="{BB962C8B-B14F-4D97-AF65-F5344CB8AC3E}">
-        <p14:creationId xmlns:p14="http://schemas.microsoft.com/office/powerpoint/2010/main" val="1296609067"/>
+        <p14:creationId xmlns:p14="http://schemas.microsoft.com/office/powerpoint/2010/main" val="1186489050"/>
       </p:ext>
     </p:extLst>
   </p:cSld>
@@ -6076,7 +6197,7 @@
           <a:p>
             <a:r>
               <a:rPr lang="en-US" dirty="0"/>
-              <a:t>Backup and DR</a:t>
+              <a:t>Cloud Landing Zone</a:t>
             </a:r>
           </a:p>
         </p:txBody>
@@ -6111,7 +6232,7 @@
             </a:pPr>
             <a:r>
               <a:rPr lang="en-US" dirty="0"/>
-              <a:t>Backup as a service</a:t>
+              <a:t>Domain/Industry Specific Landing Zone</a:t>
             </a:r>
           </a:p>
           <a:p>
@@ -6124,7 +6245,7 @@
             </a:pPr>
             <a:r>
               <a:rPr lang="en-US" dirty="0"/>
-              <a:t>Easy off-site DR</a:t>
+              <a:t>IAM Strategy (B2B, B2C etc.)</a:t>
             </a:r>
           </a:p>
           <a:p>
@@ -6137,17 +6258,17 @@
             </a:pPr>
             <a:r>
               <a:rPr lang="en-US" dirty="0"/>
-              <a:t>Do not migrate existing DR</a:t>
-            </a:r>
-          </a:p>
-        </p:txBody>
-      </p:sp>
-      <p:sp>
-        <p:nvSpPr>
-          <p:cNvPr id="4" name="Footer Placeholder 3">
-            <a:extLst>
-              <a:ext uri="{FF2B5EF4-FFF2-40B4-BE49-F238E27FC236}">
-                <a16:creationId xmlns:a16="http://schemas.microsoft.com/office/drawing/2014/main" id="{C37F99E1-F5C6-B7E3-BF1E-1B12E4BE4C54}"/>
+              <a:t>Access point internal and external</a:t>
+            </a:r>
+          </a:p>
+        </p:txBody>
+      </p:sp>
+      <p:sp>
+        <p:nvSpPr>
+          <p:cNvPr id="6" name="Footer Placeholder 5">
+            <a:extLst>
+              <a:ext uri="{FF2B5EF4-FFF2-40B4-BE49-F238E27FC236}">
+                <a16:creationId xmlns:a16="http://schemas.microsoft.com/office/drawing/2014/main" id="{DD1527F1-A5AD-B52E-F504-C06BCD515BC1}"/>
               </a:ext>
             </a:extLst>
           </p:cNvPr>
@@ -6172,10 +6293,10 @@
       </p:sp>
       <p:sp>
         <p:nvSpPr>
-          <p:cNvPr id="5" name="Slide Number Placeholder 4">
-            <a:extLst>
-              <a:ext uri="{FF2B5EF4-FFF2-40B4-BE49-F238E27FC236}">
-                <a16:creationId xmlns:a16="http://schemas.microsoft.com/office/drawing/2014/main" id="{13C673ED-08D5-EDE7-4BFA-79B68072D703}"/>
+          <p:cNvPr id="7" name="Slide Number Placeholder 6">
+            <a:extLst>
+              <a:ext uri="{FF2B5EF4-FFF2-40B4-BE49-F238E27FC236}">
+                <a16:creationId xmlns:a16="http://schemas.microsoft.com/office/drawing/2014/main" id="{05D4AE55-7E12-BF5A-5EAC-B625AFABEA68}"/>
               </a:ext>
             </a:extLst>
           </p:cNvPr>
@@ -6202,7 +6323,7 @@
     </p:spTree>
     <p:extLst>
       <p:ext uri="{BB962C8B-B14F-4D97-AF65-F5344CB8AC3E}">
-        <p14:creationId xmlns:p14="http://schemas.microsoft.com/office/powerpoint/2010/main" val="530745361"/>
+        <p14:creationId xmlns:p14="http://schemas.microsoft.com/office/powerpoint/2010/main" val="1296609067"/>
       </p:ext>
     </p:extLst>
   </p:cSld>
@@ -6252,7 +6373,7 @@
           <a:p>
             <a:r>
               <a:rPr lang="en-US" dirty="0"/>
-              <a:t>HA / Scalability</a:t>
+              <a:t>Backup and DR</a:t>
             </a:r>
           </a:p>
         </p:txBody>
@@ -6287,7 +6408,7 @@
             </a:pPr>
             <a:r>
               <a:rPr lang="en-US" dirty="0"/>
-              <a:t>HA is few clicks</a:t>
+              <a:t>Backup as a service</a:t>
             </a:r>
           </a:p>
           <a:p>
@@ -6300,7 +6421,7 @@
             </a:pPr>
             <a:r>
               <a:rPr lang="en-US" dirty="0"/>
-              <a:t>Horizontal or Vertical</a:t>
+              <a:t>Easy off-site DR</a:t>
             </a:r>
           </a:p>
           <a:p>
@@ -6313,18 +6434,8 @@
             </a:pPr>
             <a:r>
               <a:rPr lang="en-US" dirty="0"/>
-              <a:t>Performance or on-demand (Automation) </a:t>
-            </a:r>
-          </a:p>
-          <a:p>
-            <a:pPr marL="514350" indent="-514350">
-              <a:lnSpc>
-                <a:spcPct val="200000"/>
-              </a:lnSpc>
-              <a:buFont typeface="+mj-lt"/>
-              <a:buAutoNum type="arabicPeriod"/>
-            </a:pPr>
-            <a:endParaRPr lang="en-US" dirty="0"/>
+              <a:t>Do not migrate existing DR </a:t>
+            </a:r>
           </a:p>
         </p:txBody>
       </p:sp>
@@ -6388,7 +6499,7 @@
     </p:spTree>
     <p:extLst>
       <p:ext uri="{BB962C8B-B14F-4D97-AF65-F5344CB8AC3E}">
-        <p14:creationId xmlns:p14="http://schemas.microsoft.com/office/powerpoint/2010/main" val="1690820952"/>
+        <p14:creationId xmlns:p14="http://schemas.microsoft.com/office/powerpoint/2010/main" val="530745361"/>
       </p:ext>
     </p:extLst>
   </p:cSld>
@@ -6438,7 +6549,7 @@
           <a:p>
             <a:r>
               <a:rPr lang="en-US" dirty="0"/>
-              <a:t>SQL Cluster to PaaS</a:t>
+              <a:t>HA / Scalability</a:t>
             </a:r>
           </a:p>
         </p:txBody>
@@ -6473,7 +6584,7 @@
             </a:pPr>
             <a:r>
               <a:rPr lang="en-US" dirty="0"/>
-              <a:t>Built-in HA</a:t>
+              <a:t>HA is just few clicks</a:t>
             </a:r>
           </a:p>
           <a:p>
@@ -6486,7 +6597,7 @@
             </a:pPr>
             <a:r>
               <a:rPr lang="en-US" dirty="0"/>
-              <a:t>Backup and redundancy </a:t>
+              <a:t>Horizontal or Vertical</a:t>
             </a:r>
           </a:p>
           <a:p>
@@ -6499,8 +6610,18 @@
             </a:pPr>
             <a:r>
               <a:rPr lang="en-US" dirty="0"/>
-              <a:t>Not much DBA activity needed </a:t>
-            </a:r>
+              <a:t>Performance or on-demand (Automation) </a:t>
+            </a:r>
+          </a:p>
+          <a:p>
+            <a:pPr marL="514350" indent="-514350">
+              <a:lnSpc>
+                <a:spcPct val="200000"/>
+              </a:lnSpc>
+              <a:buFont typeface="+mj-lt"/>
+              <a:buAutoNum type="arabicPeriod"/>
+            </a:pPr>
+            <a:endParaRPr lang="en-US" dirty="0"/>
           </a:p>
         </p:txBody>
       </p:sp>
@@ -6564,7 +6685,7 @@
     </p:spTree>
     <p:extLst>
       <p:ext uri="{BB962C8B-B14F-4D97-AF65-F5344CB8AC3E}">
-        <p14:creationId xmlns:p14="http://schemas.microsoft.com/office/powerpoint/2010/main" val="1182977673"/>
+        <p14:creationId xmlns:p14="http://schemas.microsoft.com/office/powerpoint/2010/main" val="1690820952"/>
       </p:ext>
     </p:extLst>
   </p:cSld>
@@ -6614,7 +6735,7 @@
           <a:p>
             <a:r>
               <a:rPr lang="en-US" dirty="0"/>
-              <a:t>Scripts / Scheduled Task</a:t>
+              <a:t>Database Cluster to PaaS</a:t>
             </a:r>
           </a:p>
         </p:txBody>
@@ -6649,7 +6770,7 @@
             </a:pPr>
             <a:r>
               <a:rPr lang="en-US" dirty="0"/>
-              <a:t>No need to maintain a VM to run script</a:t>
+              <a:t>Built-in HA</a:t>
             </a:r>
           </a:p>
           <a:p>
@@ -6662,7 +6783,7 @@
             </a:pPr>
             <a:r>
               <a:rPr lang="en-US" dirty="0"/>
-              <a:t>Use Serverless, Automation, Container or DevOps</a:t>
+              <a:t>Backup and redundancy </a:t>
             </a:r>
           </a:p>
           <a:p>
@@ -6675,7 +6796,7 @@
             </a:pPr>
             <a:r>
               <a:rPr lang="en-US" dirty="0"/>
-              <a:t>Use Key Store for secrets </a:t>
+              <a:t>Not much DBA activity needed </a:t>
             </a:r>
           </a:p>
         </p:txBody>
@@ -6740,7 +6861,7 @@
     </p:spTree>
     <p:extLst>
       <p:ext uri="{BB962C8B-B14F-4D97-AF65-F5344CB8AC3E}">
-        <p14:creationId xmlns:p14="http://schemas.microsoft.com/office/powerpoint/2010/main" val="2463232570"/>
+        <p14:creationId xmlns:p14="http://schemas.microsoft.com/office/powerpoint/2010/main" val="1182977673"/>
       </p:ext>
     </p:extLst>
   </p:cSld>
@@ -6790,7 +6911,7 @@
           <a:p>
             <a:r>
               <a:rPr lang="en-US" dirty="0"/>
-              <a:t>VM Sizes</a:t>
+              <a:t>Scripts / Scheduled Task</a:t>
             </a:r>
           </a:p>
         </p:txBody>
@@ -6825,7 +6946,7 @@
             </a:pPr>
             <a:r>
               <a:rPr lang="en-US" dirty="0"/>
-              <a:t>May not find the right combination</a:t>
+              <a:t>No need to maintain a VM to run script</a:t>
             </a:r>
           </a:p>
           <a:p>
@@ -6838,7 +6959,7 @@
             </a:pPr>
             <a:r>
               <a:rPr lang="en-US" dirty="0"/>
-              <a:t>Optimize the oversized ones </a:t>
+              <a:t>Use Serverless, Automation, Container or DevOps</a:t>
             </a:r>
           </a:p>
           <a:p>
@@ -6851,7 +6972,7 @@
             </a:pPr>
             <a:r>
               <a:rPr lang="en-US" dirty="0"/>
-              <a:t>Purpose of the VM and storage associated</a:t>
+              <a:t>Use Key Store for secrets </a:t>
             </a:r>
           </a:p>
         </p:txBody>
@@ -6916,7 +7037,7 @@
     </p:spTree>
     <p:extLst>
       <p:ext uri="{BB962C8B-B14F-4D97-AF65-F5344CB8AC3E}">
-        <p14:creationId xmlns:p14="http://schemas.microsoft.com/office/powerpoint/2010/main" val="2354007623"/>
+        <p14:creationId xmlns:p14="http://schemas.microsoft.com/office/powerpoint/2010/main" val="2463232570"/>
       </p:ext>
     </p:extLst>
   </p:cSld>
@@ -6966,7 +7087,7 @@
           <a:p>
             <a:r>
               <a:rPr lang="en-US" dirty="0"/>
-              <a:t>Storage Servers</a:t>
+              <a:t>VM Sizes</a:t>
             </a:r>
           </a:p>
         </p:txBody>
@@ -7001,7 +7122,7 @@
             </a:pPr>
             <a:r>
               <a:rPr lang="en-US" dirty="0"/>
-              <a:t>No need a VM-based file share </a:t>
+              <a:t>May not find the right combination</a:t>
             </a:r>
           </a:p>
           <a:p>
@@ -7014,7 +7135,7 @@
             </a:pPr>
             <a:r>
               <a:rPr lang="en-US" dirty="0"/>
-              <a:t>Move to PaaS</a:t>
+              <a:t>Optimize the oversized VMs </a:t>
             </a:r>
           </a:p>
           <a:p>
@@ -7027,7 +7148,7 @@
             </a:pPr>
             <a:r>
               <a:rPr lang="en-US" dirty="0"/>
-              <a:t>Cost effective and high performance</a:t>
+              <a:t>Purpose of the VM and associated storage</a:t>
             </a:r>
           </a:p>
         </p:txBody>
@@ -7092,7 +7213,7 @@
     </p:spTree>
     <p:extLst>
       <p:ext uri="{BB962C8B-B14F-4D97-AF65-F5344CB8AC3E}">
-        <p14:creationId xmlns:p14="http://schemas.microsoft.com/office/powerpoint/2010/main" val="358934617"/>
+        <p14:creationId xmlns:p14="http://schemas.microsoft.com/office/powerpoint/2010/main" val="2354007623"/>
       </p:ext>
     </p:extLst>
   </p:cSld>
@@ -7142,7 +7263,7 @@
           <a:p>
             <a:r>
               <a:rPr lang="en-US" dirty="0"/>
-              <a:t>Monitoring</a:t>
+              <a:t>Storage Servers</a:t>
             </a:r>
           </a:p>
         </p:txBody>
@@ -7177,7 +7298,7 @@
             </a:pPr>
             <a:r>
               <a:rPr lang="en-US" dirty="0"/>
-              <a:t>Different monitoring for different things</a:t>
+              <a:t>No need a VM-based file share </a:t>
             </a:r>
           </a:p>
           <a:p>
@@ -7190,7 +7311,7 @@
             </a:pPr>
             <a:r>
               <a:rPr lang="en-US" dirty="0"/>
-              <a:t>Single pane view </a:t>
+              <a:t>Move to PaaS</a:t>
             </a:r>
           </a:p>
           <a:p>
@@ -7203,7 +7324,7 @@
             </a:pPr>
             <a:r>
               <a:rPr lang="en-US" dirty="0"/>
-              <a:t>Alters and notification with Automation</a:t>
+              <a:t>Cost effective and high performance</a:t>
             </a:r>
           </a:p>
         </p:txBody>
@@ -7213,7 +7334,7 @@
           <p:cNvPr id="4" name="Footer Placeholder 3">
             <a:extLst>
               <a:ext uri="{FF2B5EF4-FFF2-40B4-BE49-F238E27FC236}">
-                <a16:creationId xmlns:a16="http://schemas.microsoft.com/office/drawing/2014/main" id="{BDA3C890-E1C5-8ADD-0348-C3C14F43E588}"/>
+                <a16:creationId xmlns:a16="http://schemas.microsoft.com/office/drawing/2014/main" id="{C37F99E1-F5C6-B7E3-BF1E-1B12E4BE4C54}"/>
               </a:ext>
             </a:extLst>
           </p:cNvPr>
@@ -7241,7 +7362,7 @@
           <p:cNvPr id="5" name="Slide Number Placeholder 4">
             <a:extLst>
               <a:ext uri="{FF2B5EF4-FFF2-40B4-BE49-F238E27FC236}">
-                <a16:creationId xmlns:a16="http://schemas.microsoft.com/office/drawing/2014/main" id="{A5E87CDE-7C63-CAC5-5DB0-4E82AE7E1628}"/>
+                <a16:creationId xmlns:a16="http://schemas.microsoft.com/office/drawing/2014/main" id="{13C673ED-08D5-EDE7-4BFA-79B68072D703}"/>
               </a:ext>
             </a:extLst>
           </p:cNvPr>
@@ -7268,7 +7389,7 @@
     </p:spTree>
     <p:extLst>
       <p:ext uri="{BB962C8B-B14F-4D97-AF65-F5344CB8AC3E}">
-        <p14:creationId xmlns:p14="http://schemas.microsoft.com/office/powerpoint/2010/main" val="1399489534"/>
+        <p14:creationId xmlns:p14="http://schemas.microsoft.com/office/powerpoint/2010/main" val="358934617"/>
       </p:ext>
     </p:extLst>
   </p:cSld>
@@ -7318,7 +7439,7 @@
           <a:p>
             <a:r>
               <a:rPr lang="en-US" dirty="0"/>
-              <a:t>Network Segmentation</a:t>
+              <a:t>Monitoring</a:t>
             </a:r>
           </a:p>
         </p:txBody>
@@ -7353,7 +7474,7 @@
             </a:pPr>
             <a:r>
               <a:rPr lang="en-US" dirty="0"/>
-              <a:t>Large IP space </a:t>
+              <a:t>Different monitoring for different things</a:t>
             </a:r>
           </a:p>
           <a:p>
@@ -7366,7 +7487,7 @@
             </a:pPr>
             <a:r>
               <a:rPr lang="en-US" dirty="0"/>
-              <a:t>Separate subnets</a:t>
+              <a:t>Single pane view </a:t>
             </a:r>
           </a:p>
           <a:p>
@@ -7379,7 +7500,7 @@
             </a:pPr>
             <a:r>
               <a:rPr lang="en-US" dirty="0"/>
-              <a:t>Improved security and manageability </a:t>
+              <a:t>Alters and notification with Automation</a:t>
             </a:r>
           </a:p>
         </p:txBody>
@@ -7444,7 +7565,7 @@
     </p:spTree>
     <p:extLst>
       <p:ext uri="{BB962C8B-B14F-4D97-AF65-F5344CB8AC3E}">
-        <p14:creationId xmlns:p14="http://schemas.microsoft.com/office/powerpoint/2010/main" val="2006871272"/>
+        <p14:creationId xmlns:p14="http://schemas.microsoft.com/office/powerpoint/2010/main" val="1399489534"/>
       </p:ext>
     </p:extLst>
   </p:cSld>
@@ -7494,7 +7615,7 @@
           <a:p>
             <a:r>
               <a:rPr lang="en-US" dirty="0"/>
-              <a:t>WAF / Load Balancing</a:t>
+              <a:t>Network Segmentation</a:t>
             </a:r>
           </a:p>
         </p:txBody>
@@ -7529,7 +7650,7 @@
             </a:pPr>
             <a:r>
               <a:rPr lang="en-US" dirty="0"/>
-              <a:t>Consider native firewall</a:t>
+              <a:t>Large IP space </a:t>
             </a:r>
           </a:p>
           <a:p>
@@ -7542,7 +7663,7 @@
             </a:pPr>
             <a:r>
               <a:rPr lang="en-US" dirty="0"/>
-              <a:t>Use native Load Balancer </a:t>
+              <a:t>Separate subnets</a:t>
             </a:r>
           </a:p>
           <a:p>
@@ -7555,7 +7676,20 @@
             </a:pPr>
             <a:r>
               <a:rPr lang="en-US" dirty="0"/>
-              <a:t>Sometimes not easy to replace </a:t>
+              <a:t>Improved security and manageability</a:t>
+            </a:r>
+          </a:p>
+          <a:p>
+            <a:pPr marL="514350" indent="-514350">
+              <a:lnSpc>
+                <a:spcPct val="200000"/>
+              </a:lnSpc>
+              <a:buFont typeface="+mj-lt"/>
+              <a:buAutoNum type="arabicPeriod"/>
+            </a:pPr>
+            <a:r>
+              <a:rPr lang="en-US" dirty="0"/>
+              <a:t>Hub and Spoke for future extensibility </a:t>
             </a:r>
           </a:p>
         </p:txBody>
@@ -7620,7 +7754,7 @@
     </p:spTree>
     <p:extLst>
       <p:ext uri="{BB962C8B-B14F-4D97-AF65-F5344CB8AC3E}">
-        <p14:creationId xmlns:p14="http://schemas.microsoft.com/office/powerpoint/2010/main" val="3605291431"/>
+        <p14:creationId xmlns:p14="http://schemas.microsoft.com/office/powerpoint/2010/main" val="2006871272"/>
       </p:ext>
     </p:extLst>
   </p:cSld>
@@ -10569,7 +10703,7 @@
           <a:p>
             <a:r>
               <a:rPr lang="en-US" dirty="0"/>
-              <a:t>Active Directory Federation Services</a:t>
+              <a:t>Web App Firewall &amp; Load Balancing</a:t>
             </a:r>
           </a:p>
         </p:txBody>
@@ -10604,7 +10738,7 @@
             </a:pPr>
             <a:r>
               <a:rPr lang="en-US" dirty="0"/>
-              <a:t>On-prem ADFS is 4 server deployment</a:t>
+              <a:t>Consider native firewall</a:t>
             </a:r>
           </a:p>
           <a:p>
@@ -10617,7 +10751,7 @@
             </a:pPr>
             <a:r>
               <a:rPr lang="en-US" dirty="0"/>
-              <a:t>Replace with Cloud SSO</a:t>
+              <a:t>Use native Load Balancer </a:t>
             </a:r>
           </a:p>
           <a:p>
@@ -10630,7 +10764,7 @@
             </a:pPr>
             <a:r>
               <a:rPr lang="en-US" dirty="0"/>
-              <a:t>App config and change might be needed</a:t>
+              <a:t>Sometimes not easy to replace </a:t>
             </a:r>
           </a:p>
         </p:txBody>
@@ -10695,7 +10829,7 @@
     </p:spTree>
     <p:extLst>
       <p:ext uri="{BB962C8B-B14F-4D97-AF65-F5344CB8AC3E}">
-        <p14:creationId xmlns:p14="http://schemas.microsoft.com/office/powerpoint/2010/main" val="4272854111"/>
+        <p14:creationId xmlns:p14="http://schemas.microsoft.com/office/powerpoint/2010/main" val="3605291431"/>
       </p:ext>
     </p:extLst>
   </p:cSld>
@@ -10745,7 +10879,7 @@
           <a:p>
             <a:r>
               <a:rPr lang="en-US" dirty="0"/>
-              <a:t>VPN</a:t>
+              <a:t>Active Directory Federation Services (ADFS)</a:t>
             </a:r>
           </a:p>
         </p:txBody>
@@ -10780,7 +10914,7 @@
             </a:pPr>
             <a:r>
               <a:rPr lang="en-US" dirty="0"/>
-              <a:t>Can be replaced (Azure Bastion, Point-to-site)</a:t>
+              <a:t>On-prem ADFS is 4 server deployment</a:t>
             </a:r>
           </a:p>
           <a:p>
@@ -10793,7 +10927,7 @@
             </a:pPr>
             <a:r>
               <a:rPr lang="en-US" dirty="0"/>
-              <a:t>Early evaluation is mandatory</a:t>
+              <a:t>Replace with Cloud SSO</a:t>
             </a:r>
           </a:p>
           <a:p>
@@ -10806,18 +10940,8 @@
             </a:pPr>
             <a:r>
               <a:rPr lang="en-US" dirty="0"/>
-              <a:t>Virtual Desktop connectivity</a:t>
-            </a:r>
-          </a:p>
-          <a:p>
-            <a:pPr marL="514350" indent="-514350">
-              <a:lnSpc>
-                <a:spcPct val="200000"/>
-              </a:lnSpc>
-              <a:buFont typeface="+mj-lt"/>
-              <a:buAutoNum type="arabicPeriod"/>
-            </a:pPr>
-            <a:endParaRPr lang="en-US" dirty="0"/>
+              <a:t>App config and change might be needed</a:t>
+            </a:r>
           </a:p>
         </p:txBody>
       </p:sp>
@@ -10881,7 +11005,7 @@
     </p:spTree>
     <p:extLst>
       <p:ext uri="{BB962C8B-B14F-4D97-AF65-F5344CB8AC3E}">
-        <p14:creationId xmlns:p14="http://schemas.microsoft.com/office/powerpoint/2010/main" val="1338547495"/>
+        <p14:creationId xmlns:p14="http://schemas.microsoft.com/office/powerpoint/2010/main" val="4272854111"/>
       </p:ext>
     </p:extLst>
   </p:cSld>
@@ -10930,10 +11054,9 @@
           <a:lstStyle/>
           <a:p>
             <a:r>
-              <a:rPr lang="en-US"/>
-              <a:t>Management Server</a:t>
-            </a:r>
-            <a:endParaRPr lang="en-US" dirty="0"/>
+              <a:rPr lang="en-US" dirty="0"/>
+              <a:t>VPN</a:t>
+            </a:r>
           </a:p>
         </p:txBody>
       </p:sp>
@@ -10967,7 +11090,7 @@
             </a:pPr>
             <a:r>
               <a:rPr lang="en-US" dirty="0"/>
-              <a:t>No need to migrate (backup, SAN, switch management)</a:t>
+              <a:t>Can be replaced (Azure Bastion, Point-to-site)</a:t>
             </a:r>
           </a:p>
           <a:p>
@@ -10980,7 +11103,7 @@
             </a:pPr>
             <a:r>
               <a:rPr lang="en-US" dirty="0"/>
-              <a:t>Use Windows 10 VM </a:t>
+              <a:t>Early evaluation is mandatory</a:t>
             </a:r>
           </a:p>
           <a:p>
@@ -10993,8 +11116,18 @@
             </a:pPr>
             <a:r>
               <a:rPr lang="en-US" dirty="0"/>
-              <a:t>Native Automation</a:t>
-            </a:r>
+              <a:t>Virtual Desktop connectivity</a:t>
+            </a:r>
+          </a:p>
+          <a:p>
+            <a:pPr marL="514350" indent="-514350">
+              <a:lnSpc>
+                <a:spcPct val="200000"/>
+              </a:lnSpc>
+              <a:buFont typeface="+mj-lt"/>
+              <a:buAutoNum type="arabicPeriod"/>
+            </a:pPr>
+            <a:endParaRPr lang="en-US" dirty="0"/>
           </a:p>
         </p:txBody>
       </p:sp>
@@ -11058,7 +11191,327 @@
     </p:spTree>
     <p:extLst>
       <p:ext uri="{BB962C8B-B14F-4D97-AF65-F5344CB8AC3E}">
+        <p14:creationId xmlns:p14="http://schemas.microsoft.com/office/powerpoint/2010/main" val="1338547495"/>
+      </p:ext>
+    </p:extLst>
+  </p:cSld>
+  <p:clrMapOvr>
+    <a:masterClrMapping/>
+  </p:clrMapOvr>
+</p:sld>
+</file>
+
+<file path=ppt/slides/slide23.xml><?xml version="1.0" encoding="utf-8"?>
+<p:sld xmlns:a="http://schemas.openxmlformats.org/drawingml/2006/main" xmlns:r="http://schemas.openxmlformats.org/officeDocument/2006/relationships" xmlns:p="http://schemas.openxmlformats.org/presentationml/2006/main">
+  <p:cSld>
+    <p:spTree>
+      <p:nvGrpSpPr>
+        <p:cNvPr id="1" name=""/>
+        <p:cNvGrpSpPr/>
+        <p:nvPr/>
+      </p:nvGrpSpPr>
+      <p:grpSpPr>
+        <a:xfrm>
+          <a:off x="0" y="0"/>
+          <a:ext cx="0" cy="0"/>
+          <a:chOff x="0" y="0"/>
+          <a:chExt cx="0" cy="0"/>
+        </a:xfrm>
+      </p:grpSpPr>
+      <p:sp>
+        <p:nvSpPr>
+          <p:cNvPr id="2" name="Title 1">
+            <a:extLst>
+              <a:ext uri="{FF2B5EF4-FFF2-40B4-BE49-F238E27FC236}">
+                <a16:creationId xmlns:a16="http://schemas.microsoft.com/office/drawing/2014/main" id="{254533FA-2C88-B92C-F7E6-A0E696BC7870}"/>
+              </a:ext>
+            </a:extLst>
+          </p:cNvPr>
+          <p:cNvSpPr>
+            <a:spLocks noGrp="1"/>
+          </p:cNvSpPr>
+          <p:nvPr>
+            <p:ph type="title"/>
+          </p:nvPr>
+        </p:nvSpPr>
+        <p:spPr/>
+        <p:txBody>
+          <a:bodyPr/>
+          <a:lstStyle/>
+          <a:p>
+            <a:r>
+              <a:rPr lang="en-US"/>
+              <a:t>Management Server</a:t>
+            </a:r>
+            <a:endParaRPr lang="en-US" dirty="0"/>
+          </a:p>
+        </p:txBody>
+      </p:sp>
+      <p:sp>
+        <p:nvSpPr>
+          <p:cNvPr id="3" name="Content Placeholder 2">
+            <a:extLst>
+              <a:ext uri="{FF2B5EF4-FFF2-40B4-BE49-F238E27FC236}">
+                <a16:creationId xmlns:a16="http://schemas.microsoft.com/office/drawing/2014/main" id="{83A40941-C855-6F5A-F98D-48BAA84D548C}"/>
+              </a:ext>
+            </a:extLst>
+          </p:cNvPr>
+          <p:cNvSpPr>
+            <a:spLocks noGrp="1"/>
+          </p:cNvSpPr>
+          <p:nvPr>
+            <p:ph idx="1"/>
+          </p:nvPr>
+        </p:nvSpPr>
+        <p:spPr/>
+        <p:txBody>
+          <a:bodyPr/>
+          <a:lstStyle/>
+          <a:p>
+            <a:pPr marL="514350" indent="-514350">
+              <a:lnSpc>
+                <a:spcPct val="200000"/>
+              </a:lnSpc>
+              <a:buFont typeface="+mj-lt"/>
+              <a:buAutoNum type="arabicPeriod"/>
+            </a:pPr>
+            <a:r>
+              <a:rPr lang="en-US" dirty="0"/>
+              <a:t>No need to migrate (backup, SAN, switch management)</a:t>
+            </a:r>
+          </a:p>
+          <a:p>
+            <a:pPr marL="514350" indent="-514350">
+              <a:lnSpc>
+                <a:spcPct val="200000"/>
+              </a:lnSpc>
+              <a:buFont typeface="+mj-lt"/>
+              <a:buAutoNum type="arabicPeriod"/>
+            </a:pPr>
+            <a:r>
+              <a:rPr lang="en-US" dirty="0"/>
+              <a:t>Use Windows 10 VM </a:t>
+            </a:r>
+          </a:p>
+          <a:p>
+            <a:pPr marL="514350" indent="-514350">
+              <a:lnSpc>
+                <a:spcPct val="200000"/>
+              </a:lnSpc>
+              <a:buFont typeface="+mj-lt"/>
+              <a:buAutoNum type="arabicPeriod"/>
+            </a:pPr>
+            <a:r>
+              <a:rPr lang="en-US" dirty="0"/>
+              <a:t>Native Automation</a:t>
+            </a:r>
+          </a:p>
+        </p:txBody>
+      </p:sp>
+      <p:sp>
+        <p:nvSpPr>
+          <p:cNvPr id="4" name="Footer Placeholder 3">
+            <a:extLst>
+              <a:ext uri="{FF2B5EF4-FFF2-40B4-BE49-F238E27FC236}">
+                <a16:creationId xmlns:a16="http://schemas.microsoft.com/office/drawing/2014/main" id="{BDA3C890-E1C5-8ADD-0348-C3C14F43E588}"/>
+              </a:ext>
+            </a:extLst>
+          </p:cNvPr>
+          <p:cNvSpPr>
+            <a:spLocks noGrp="1"/>
+          </p:cNvSpPr>
+          <p:nvPr>
+            <p:ph type="ftr" sz="quarter" idx="11"/>
+          </p:nvPr>
+        </p:nvSpPr>
+        <p:spPr/>
+        <p:txBody>
+          <a:bodyPr/>
+          <a:lstStyle/>
+          <a:p>
+            <a:r>
+              <a:rPr lang="en-US"/>
+              <a:t>Challenegs of Cloud Migrations</a:t>
+            </a:r>
+          </a:p>
+        </p:txBody>
+      </p:sp>
+      <p:sp>
+        <p:nvSpPr>
+          <p:cNvPr id="5" name="Slide Number Placeholder 4">
+            <a:extLst>
+              <a:ext uri="{FF2B5EF4-FFF2-40B4-BE49-F238E27FC236}">
+                <a16:creationId xmlns:a16="http://schemas.microsoft.com/office/drawing/2014/main" id="{A5E87CDE-7C63-CAC5-5DB0-4E82AE7E1628}"/>
+              </a:ext>
+            </a:extLst>
+          </p:cNvPr>
+          <p:cNvSpPr>
+            <a:spLocks noGrp="1"/>
+          </p:cNvSpPr>
+          <p:nvPr>
+            <p:ph type="sldNum" sz="quarter" idx="12"/>
+          </p:nvPr>
+        </p:nvSpPr>
+        <p:spPr/>
+        <p:txBody>
+          <a:bodyPr/>
+          <a:lstStyle/>
+          <a:p>
+            <a:fld id="{E996DDEE-35AA-41A0-A26C-AFECF61351E7}" type="slidenum">
+              <a:rPr lang="en-US" smtClean="0"/>
+              <a:t>23</a:t>
+            </a:fld>
+            <a:endParaRPr lang="en-US"/>
+          </a:p>
+        </p:txBody>
+      </p:sp>
+    </p:spTree>
+    <p:extLst>
+      <p:ext uri="{BB962C8B-B14F-4D97-AF65-F5344CB8AC3E}">
         <p14:creationId xmlns:p14="http://schemas.microsoft.com/office/powerpoint/2010/main" val="2483601355"/>
+      </p:ext>
+    </p:extLst>
+  </p:cSld>
+  <p:clrMapOvr>
+    <a:masterClrMapping/>
+  </p:clrMapOvr>
+</p:sld>
+</file>
+
+<file path=ppt/slides/slide24.xml><?xml version="1.0" encoding="utf-8"?>
+<p:sld xmlns:a="http://schemas.openxmlformats.org/drawingml/2006/main" xmlns:r="http://schemas.openxmlformats.org/officeDocument/2006/relationships" xmlns:p="http://schemas.openxmlformats.org/presentationml/2006/main">
+  <p:cSld>
+    <p:spTree>
+      <p:nvGrpSpPr>
+        <p:cNvPr id="1" name=""/>
+        <p:cNvGrpSpPr/>
+        <p:nvPr/>
+      </p:nvGrpSpPr>
+      <p:grpSpPr>
+        <a:xfrm>
+          <a:off x="0" y="0"/>
+          <a:ext cx="0" cy="0"/>
+          <a:chOff x="0" y="0"/>
+          <a:chExt cx="0" cy="0"/>
+        </a:xfrm>
+      </p:grpSpPr>
+      <p:sp>
+        <p:nvSpPr>
+          <p:cNvPr id="6" name="Title 5">
+            <a:extLst>
+              <a:ext uri="{FF2B5EF4-FFF2-40B4-BE49-F238E27FC236}">
+                <a16:creationId xmlns:a16="http://schemas.microsoft.com/office/drawing/2014/main" id="{5B9BEBA9-BA07-0080-0DB6-65FFE04A85E4}"/>
+              </a:ext>
+            </a:extLst>
+          </p:cNvPr>
+          <p:cNvSpPr>
+            <a:spLocks noGrp="1"/>
+          </p:cNvSpPr>
+          <p:nvPr>
+            <p:ph type="title"/>
+          </p:nvPr>
+        </p:nvSpPr>
+        <p:spPr/>
+        <p:txBody>
+          <a:bodyPr/>
+          <a:lstStyle/>
+          <a:p>
+            <a:r>
+              <a:rPr lang="en-US" dirty="0"/>
+              <a:t>Thank you</a:t>
+            </a:r>
+          </a:p>
+        </p:txBody>
+      </p:sp>
+      <p:sp>
+        <p:nvSpPr>
+          <p:cNvPr id="7" name="Text Placeholder 6">
+            <a:extLst>
+              <a:ext uri="{FF2B5EF4-FFF2-40B4-BE49-F238E27FC236}">
+                <a16:creationId xmlns:a16="http://schemas.microsoft.com/office/drawing/2014/main" id="{3CA48EEA-1123-2764-2D5F-A5DB02DDD72A}"/>
+              </a:ext>
+            </a:extLst>
+          </p:cNvPr>
+          <p:cNvSpPr>
+            <a:spLocks noGrp="1"/>
+          </p:cNvSpPr>
+          <p:nvPr>
+            <p:ph type="body" idx="1"/>
+          </p:nvPr>
+        </p:nvSpPr>
+        <p:spPr/>
+        <p:txBody>
+          <a:bodyPr/>
+          <a:lstStyle/>
+          <a:p>
+            <a:r>
+              <a:rPr lang="en-US"/>
+              <a:t>… continues …</a:t>
+            </a:r>
+          </a:p>
+        </p:txBody>
+      </p:sp>
+      <p:sp>
+        <p:nvSpPr>
+          <p:cNvPr id="4" name="Footer Placeholder 3">
+            <a:extLst>
+              <a:ext uri="{FF2B5EF4-FFF2-40B4-BE49-F238E27FC236}">
+                <a16:creationId xmlns:a16="http://schemas.microsoft.com/office/drawing/2014/main" id="{93006145-F821-4591-DE31-2ECCBA5365DC}"/>
+              </a:ext>
+            </a:extLst>
+          </p:cNvPr>
+          <p:cNvSpPr>
+            <a:spLocks noGrp="1"/>
+          </p:cNvSpPr>
+          <p:nvPr>
+            <p:ph type="ftr" sz="quarter" idx="11"/>
+          </p:nvPr>
+        </p:nvSpPr>
+        <p:spPr/>
+        <p:txBody>
+          <a:bodyPr/>
+          <a:lstStyle/>
+          <a:p>
+            <a:r>
+              <a:rPr lang="en-US"/>
+              <a:t>Challenegs of Cloud Migrations</a:t>
+            </a:r>
+          </a:p>
+        </p:txBody>
+      </p:sp>
+      <p:sp>
+        <p:nvSpPr>
+          <p:cNvPr id="5" name="Slide Number Placeholder 4">
+            <a:extLst>
+              <a:ext uri="{FF2B5EF4-FFF2-40B4-BE49-F238E27FC236}">
+                <a16:creationId xmlns:a16="http://schemas.microsoft.com/office/drawing/2014/main" id="{7D9F2B2B-2B1D-26EC-E91D-F164DEF3FE75}"/>
+              </a:ext>
+            </a:extLst>
+          </p:cNvPr>
+          <p:cNvSpPr>
+            <a:spLocks noGrp="1"/>
+          </p:cNvSpPr>
+          <p:nvPr>
+            <p:ph type="sldNum" sz="quarter" idx="12"/>
+          </p:nvPr>
+        </p:nvSpPr>
+        <p:spPr/>
+        <p:txBody>
+          <a:bodyPr/>
+          <a:lstStyle/>
+          <a:p>
+            <a:fld id="{E996DDEE-35AA-41A0-A26C-AFECF61351E7}" type="slidenum">
+              <a:rPr lang="en-US" smtClean="0"/>
+              <a:t>24</a:t>
+            </a:fld>
+            <a:endParaRPr lang="en-US"/>
+          </a:p>
+        </p:txBody>
+      </p:sp>
+    </p:spTree>
+    <p:extLst>
+      <p:ext uri="{BB962C8B-B14F-4D97-AF65-F5344CB8AC3E}">
+        <p14:creationId xmlns:p14="http://schemas.microsoft.com/office/powerpoint/2010/main" val="3445762015"/>
       </p:ext>
     </p:extLst>
   </p:cSld>
@@ -11087,10 +11540,10 @@
       </p:grpSpPr>
       <p:sp>
         <p:nvSpPr>
-          <p:cNvPr id="6" name="Title 5">
-            <a:extLst>
-              <a:ext uri="{FF2B5EF4-FFF2-40B4-BE49-F238E27FC236}">
-                <a16:creationId xmlns:a16="http://schemas.microsoft.com/office/drawing/2014/main" id="{60B8E53B-9422-2CA3-0E91-7090B1303CBC}"/>
+          <p:cNvPr id="2" name="Title 1">
+            <a:extLst>
+              <a:ext uri="{FF2B5EF4-FFF2-40B4-BE49-F238E27FC236}">
+                <a16:creationId xmlns:a16="http://schemas.microsoft.com/office/drawing/2014/main" id="{254533FA-2C88-B92C-F7E6-A0E696BC7870}"/>
               </a:ext>
             </a:extLst>
           </p:cNvPr>
@@ -11108,25 +11561,25 @@
           <a:p>
             <a:r>
               <a:rPr lang="en-US" dirty="0"/>
-              <a:t>Challenges…</a:t>
-            </a:r>
-          </a:p>
-        </p:txBody>
-      </p:sp>
-      <p:sp>
-        <p:nvSpPr>
-          <p:cNvPr id="7" name="Text Placeholder 6">
-            <a:extLst>
-              <a:ext uri="{FF2B5EF4-FFF2-40B4-BE49-F238E27FC236}">
-                <a16:creationId xmlns:a16="http://schemas.microsoft.com/office/drawing/2014/main" id="{2D626B93-A34C-D299-F79E-CEFF3AD2B9C4}"/>
-              </a:ext>
-            </a:extLst>
-          </p:cNvPr>
-          <p:cNvSpPr>
-            <a:spLocks noGrp="1"/>
-          </p:cNvSpPr>
-          <p:nvPr>
-            <p:ph type="body" idx="1"/>
+              <a:t>What we need</a:t>
+            </a:r>
+          </a:p>
+        </p:txBody>
+      </p:sp>
+      <p:sp>
+        <p:nvSpPr>
+          <p:cNvPr id="3" name="Content Placeholder 2">
+            <a:extLst>
+              <a:ext uri="{FF2B5EF4-FFF2-40B4-BE49-F238E27FC236}">
+                <a16:creationId xmlns:a16="http://schemas.microsoft.com/office/drawing/2014/main" id="{83A40941-C855-6F5A-F98D-48BAA84D548C}"/>
+              </a:ext>
+            </a:extLst>
+          </p:cNvPr>
+          <p:cNvSpPr>
+            <a:spLocks noGrp="1"/>
+          </p:cNvSpPr>
+          <p:nvPr>
+            <p:ph idx="1"/>
           </p:nvPr>
         </p:nvSpPr>
         <p:spPr/>
@@ -11134,9 +11587,42 @@
           <a:bodyPr/>
           <a:lstStyle/>
           <a:p>
+            <a:pPr marL="514350" indent="-514350">
+              <a:lnSpc>
+                <a:spcPct val="200000"/>
+              </a:lnSpc>
+              <a:buFont typeface="+mj-lt"/>
+              <a:buAutoNum type="arabicPeriod"/>
+            </a:pPr>
             <a:r>
               <a:rPr lang="en-US" dirty="0"/>
-              <a:t>… then solutions</a:t>
+              <a:t>An enterprise strategy to move to Cloud</a:t>
+            </a:r>
+          </a:p>
+          <a:p>
+            <a:pPr marL="514350" indent="-514350">
+              <a:lnSpc>
+                <a:spcPct val="200000"/>
+              </a:lnSpc>
+              <a:buFont typeface="+mj-lt"/>
+              <a:buAutoNum type="arabicPeriod"/>
+            </a:pPr>
+            <a:r>
+              <a:rPr lang="en-US" dirty="0"/>
+              <a:t>Business approval with budget allocation</a:t>
+            </a:r>
+          </a:p>
+          <a:p>
+            <a:pPr marL="514350" indent="-514350">
+              <a:lnSpc>
+                <a:spcPct val="200000"/>
+              </a:lnSpc>
+              <a:buFont typeface="+mj-lt"/>
+              <a:buAutoNum type="arabicPeriod"/>
+            </a:pPr>
+            <a:r>
+              <a:rPr lang="en-US" dirty="0"/>
+              <a:t>Solid delivery team to deploy and maintain</a:t>
             </a:r>
           </a:p>
         </p:txBody>
@@ -11146,7 +11632,7 @@
           <p:cNvPr id="4" name="Footer Placeholder 3">
             <a:extLst>
               <a:ext uri="{FF2B5EF4-FFF2-40B4-BE49-F238E27FC236}">
-                <a16:creationId xmlns:a16="http://schemas.microsoft.com/office/drawing/2014/main" id="{303C4998-27F0-DB8D-A790-97906DD9C9C0}"/>
+                <a16:creationId xmlns:a16="http://schemas.microsoft.com/office/drawing/2014/main" id="{80757CA1-143A-CDA8-EA61-C64F2DA67303}"/>
               </a:ext>
             </a:extLst>
           </p:cNvPr>
@@ -11174,7 +11660,7 @@
           <p:cNvPr id="5" name="Slide Number Placeholder 4">
             <a:extLst>
               <a:ext uri="{FF2B5EF4-FFF2-40B4-BE49-F238E27FC236}">
-                <a16:creationId xmlns:a16="http://schemas.microsoft.com/office/drawing/2014/main" id="{9E37A4E0-DC5C-36C1-FF09-9BDA0186159D}"/>
+                <a16:creationId xmlns:a16="http://schemas.microsoft.com/office/drawing/2014/main" id="{BAED8CFA-2969-E002-5F77-546FDE63C417}"/>
               </a:ext>
             </a:extLst>
           </p:cNvPr>
@@ -11201,7 +11687,7 @@
     </p:spTree>
     <p:extLst>
       <p:ext uri="{BB962C8B-B14F-4D97-AF65-F5344CB8AC3E}">
-        <p14:creationId xmlns:p14="http://schemas.microsoft.com/office/powerpoint/2010/main" val="3224125050"/>
+        <p14:creationId xmlns:p14="http://schemas.microsoft.com/office/powerpoint/2010/main" val="1396909922"/>
       </p:ext>
     </p:extLst>
   </p:cSld>
@@ -11230,10 +11716,10 @@
       </p:grpSpPr>
       <p:sp>
         <p:nvSpPr>
-          <p:cNvPr id="2" name="Title 1">
-            <a:extLst>
-              <a:ext uri="{FF2B5EF4-FFF2-40B4-BE49-F238E27FC236}">
-                <a16:creationId xmlns:a16="http://schemas.microsoft.com/office/drawing/2014/main" id="{254533FA-2C88-B92C-F7E6-A0E696BC7870}"/>
+          <p:cNvPr id="6" name="Title 5">
+            <a:extLst>
+              <a:ext uri="{FF2B5EF4-FFF2-40B4-BE49-F238E27FC236}">
+                <a16:creationId xmlns:a16="http://schemas.microsoft.com/office/drawing/2014/main" id="{60B8E53B-9422-2CA3-0E91-7090B1303CBC}"/>
               </a:ext>
             </a:extLst>
           </p:cNvPr>
@@ -11251,25 +11737,25 @@
           <a:p>
             <a:r>
               <a:rPr lang="en-US" dirty="0"/>
-              <a:t>Legacy Applications</a:t>
-            </a:r>
-          </a:p>
-        </p:txBody>
-      </p:sp>
-      <p:sp>
-        <p:nvSpPr>
-          <p:cNvPr id="3" name="Content Placeholder 2">
-            <a:extLst>
-              <a:ext uri="{FF2B5EF4-FFF2-40B4-BE49-F238E27FC236}">
-                <a16:creationId xmlns:a16="http://schemas.microsoft.com/office/drawing/2014/main" id="{83A40941-C855-6F5A-F98D-48BAA84D548C}"/>
-              </a:ext>
-            </a:extLst>
-          </p:cNvPr>
-          <p:cNvSpPr>
-            <a:spLocks noGrp="1"/>
-          </p:cNvSpPr>
-          <p:nvPr>
-            <p:ph idx="1"/>
+              <a:t>Challenges…</a:t>
+            </a:r>
+          </a:p>
+        </p:txBody>
+      </p:sp>
+      <p:sp>
+        <p:nvSpPr>
+          <p:cNvPr id="7" name="Text Placeholder 6">
+            <a:extLst>
+              <a:ext uri="{FF2B5EF4-FFF2-40B4-BE49-F238E27FC236}">
+                <a16:creationId xmlns:a16="http://schemas.microsoft.com/office/drawing/2014/main" id="{2D626B93-A34C-D299-F79E-CEFF3AD2B9C4}"/>
+              </a:ext>
+            </a:extLst>
+          </p:cNvPr>
+          <p:cNvSpPr>
+            <a:spLocks noGrp="1"/>
+          </p:cNvSpPr>
+          <p:nvPr>
+            <p:ph type="body" idx="1"/>
           </p:nvPr>
         </p:nvSpPr>
         <p:spPr/>
@@ -11277,55 +11763,9 @@
           <a:bodyPr/>
           <a:lstStyle/>
           <a:p>
-            <a:pPr marL="514350" indent="-514350">
-              <a:lnSpc>
-                <a:spcPct val="200000"/>
-              </a:lnSpc>
-              <a:buFont typeface="+mj-lt"/>
-              <a:buAutoNum type="arabicPeriod"/>
-            </a:pPr>
             <a:r>
               <a:rPr lang="en-US" dirty="0"/>
-              <a:t>Desktop/Console applications</a:t>
-            </a:r>
-          </a:p>
-          <a:p>
-            <a:pPr marL="514350" indent="-514350">
-              <a:lnSpc>
-                <a:spcPct val="200000"/>
-              </a:lnSpc>
-              <a:buFont typeface="+mj-lt"/>
-              <a:buAutoNum type="arabicPeriod"/>
-            </a:pPr>
-            <a:r>
-              <a:rPr lang="en-US" dirty="0"/>
-              <a:t>Licensed Applications</a:t>
-            </a:r>
-          </a:p>
-          <a:p>
-            <a:pPr marL="514350" indent="-514350">
-              <a:lnSpc>
-                <a:spcPct val="200000"/>
-              </a:lnSpc>
-              <a:buFont typeface="+mj-lt"/>
-              <a:buAutoNum type="arabicPeriod"/>
-            </a:pPr>
-            <a:r>
-              <a:rPr lang="en-US" dirty="0"/>
-              <a:t>Custom Applications</a:t>
-            </a:r>
-          </a:p>
-          <a:p>
-            <a:pPr marL="514350" indent="-514350">
-              <a:lnSpc>
-                <a:spcPct val="200000"/>
-              </a:lnSpc>
-              <a:buFont typeface="+mj-lt"/>
-              <a:buAutoNum type="arabicPeriod"/>
-            </a:pPr>
-            <a:r>
-              <a:rPr lang="en-US" dirty="0"/>
-              <a:t>WCF or Windows Service</a:t>
+              <a:t>… then solutions</a:t>
             </a:r>
           </a:p>
         </p:txBody>
@@ -11335,7 +11775,7 @@
           <p:cNvPr id="4" name="Footer Placeholder 3">
             <a:extLst>
               <a:ext uri="{FF2B5EF4-FFF2-40B4-BE49-F238E27FC236}">
-                <a16:creationId xmlns:a16="http://schemas.microsoft.com/office/drawing/2014/main" id="{23231A70-575B-1E2E-0696-63D24AE4AE60}"/>
+                <a16:creationId xmlns:a16="http://schemas.microsoft.com/office/drawing/2014/main" id="{303C4998-27F0-DB8D-A790-97906DD9C9C0}"/>
               </a:ext>
             </a:extLst>
           </p:cNvPr>
@@ -11363,7 +11803,7 @@
           <p:cNvPr id="5" name="Slide Number Placeholder 4">
             <a:extLst>
               <a:ext uri="{FF2B5EF4-FFF2-40B4-BE49-F238E27FC236}">
-                <a16:creationId xmlns:a16="http://schemas.microsoft.com/office/drawing/2014/main" id="{A152566B-9424-933F-E88D-D433D857C41A}"/>
+                <a16:creationId xmlns:a16="http://schemas.microsoft.com/office/drawing/2014/main" id="{9E37A4E0-DC5C-36C1-FF09-9BDA0186159D}"/>
               </a:ext>
             </a:extLst>
           </p:cNvPr>
@@ -11390,7 +11830,7 @@
     </p:spTree>
     <p:extLst>
       <p:ext uri="{BB962C8B-B14F-4D97-AF65-F5344CB8AC3E}">
-        <p14:creationId xmlns:p14="http://schemas.microsoft.com/office/powerpoint/2010/main" val="3408719387"/>
+        <p14:creationId xmlns:p14="http://schemas.microsoft.com/office/powerpoint/2010/main" val="3224125050"/>
       </p:ext>
     </p:extLst>
   </p:cSld>
@@ -11440,7 +11880,7 @@
           <a:p>
             <a:r>
               <a:rPr lang="en-US" dirty="0"/>
-              <a:t>Legacy Platform Components</a:t>
+              <a:t>Legacy Applications</a:t>
             </a:r>
           </a:p>
         </p:txBody>
@@ -11475,7 +11915,7 @@
             </a:pPr>
             <a:r>
               <a:rPr lang="en-US" dirty="0"/>
-              <a:t>Legacy Operating Systems</a:t>
+              <a:t>Desktop/Console applications</a:t>
             </a:r>
           </a:p>
           <a:p>
@@ -11488,7 +11928,7 @@
             </a:pPr>
             <a:r>
               <a:rPr lang="en-US" dirty="0"/>
-              <a:t>Legacy Databases</a:t>
+              <a:t>Licensed Applications</a:t>
             </a:r>
           </a:p>
           <a:p>
@@ -11501,7 +11941,20 @@
             </a:pPr>
             <a:r>
               <a:rPr lang="en-US" dirty="0"/>
-              <a:t>Legacy IAM</a:t>
+              <a:t>Custom Applications</a:t>
+            </a:r>
+          </a:p>
+          <a:p>
+            <a:pPr marL="514350" indent="-514350">
+              <a:lnSpc>
+                <a:spcPct val="200000"/>
+              </a:lnSpc>
+              <a:buFont typeface="+mj-lt"/>
+              <a:buAutoNum type="arabicPeriod"/>
+            </a:pPr>
+            <a:r>
+              <a:rPr lang="en-US" dirty="0"/>
+              <a:t>WCF or Windows Service</a:t>
             </a:r>
           </a:p>
         </p:txBody>
@@ -11511,7 +11964,7 @@
           <p:cNvPr id="4" name="Footer Placeholder 3">
             <a:extLst>
               <a:ext uri="{FF2B5EF4-FFF2-40B4-BE49-F238E27FC236}">
-                <a16:creationId xmlns:a16="http://schemas.microsoft.com/office/drawing/2014/main" id="{C37F99E1-F5C6-B7E3-BF1E-1B12E4BE4C54}"/>
+                <a16:creationId xmlns:a16="http://schemas.microsoft.com/office/drawing/2014/main" id="{23231A70-575B-1E2E-0696-63D24AE4AE60}"/>
               </a:ext>
             </a:extLst>
           </p:cNvPr>
@@ -11539,7 +11992,7 @@
           <p:cNvPr id="5" name="Slide Number Placeholder 4">
             <a:extLst>
               <a:ext uri="{FF2B5EF4-FFF2-40B4-BE49-F238E27FC236}">
-                <a16:creationId xmlns:a16="http://schemas.microsoft.com/office/drawing/2014/main" id="{13C673ED-08D5-EDE7-4BFA-79B68072D703}"/>
+                <a16:creationId xmlns:a16="http://schemas.microsoft.com/office/drawing/2014/main" id="{A152566B-9424-933F-E88D-D433D857C41A}"/>
               </a:ext>
             </a:extLst>
           </p:cNvPr>
@@ -11566,7 +12019,7 @@
     </p:spTree>
     <p:extLst>
       <p:ext uri="{BB962C8B-B14F-4D97-AF65-F5344CB8AC3E}">
-        <p14:creationId xmlns:p14="http://schemas.microsoft.com/office/powerpoint/2010/main" val="244203201"/>
+        <p14:creationId xmlns:p14="http://schemas.microsoft.com/office/powerpoint/2010/main" val="3408719387"/>
       </p:ext>
     </p:extLst>
   </p:cSld>
@@ -11616,6 +12069,182 @@
           <a:p>
             <a:r>
               <a:rPr lang="en-US" dirty="0"/>
+              <a:t>Legacy Platform Components</a:t>
+            </a:r>
+          </a:p>
+        </p:txBody>
+      </p:sp>
+      <p:sp>
+        <p:nvSpPr>
+          <p:cNvPr id="3" name="Content Placeholder 2">
+            <a:extLst>
+              <a:ext uri="{FF2B5EF4-FFF2-40B4-BE49-F238E27FC236}">
+                <a16:creationId xmlns:a16="http://schemas.microsoft.com/office/drawing/2014/main" id="{83A40941-C855-6F5A-F98D-48BAA84D548C}"/>
+              </a:ext>
+            </a:extLst>
+          </p:cNvPr>
+          <p:cNvSpPr>
+            <a:spLocks noGrp="1"/>
+          </p:cNvSpPr>
+          <p:nvPr>
+            <p:ph idx="1"/>
+          </p:nvPr>
+        </p:nvSpPr>
+        <p:spPr/>
+        <p:txBody>
+          <a:bodyPr/>
+          <a:lstStyle/>
+          <a:p>
+            <a:pPr marL="514350" indent="-514350">
+              <a:lnSpc>
+                <a:spcPct val="200000"/>
+              </a:lnSpc>
+              <a:buFont typeface="+mj-lt"/>
+              <a:buAutoNum type="arabicPeriod"/>
+            </a:pPr>
+            <a:r>
+              <a:rPr lang="en-US" dirty="0"/>
+              <a:t>Legacy Operating Systems</a:t>
+            </a:r>
+          </a:p>
+          <a:p>
+            <a:pPr marL="514350" indent="-514350">
+              <a:lnSpc>
+                <a:spcPct val="200000"/>
+              </a:lnSpc>
+              <a:buFont typeface="+mj-lt"/>
+              <a:buAutoNum type="arabicPeriod"/>
+            </a:pPr>
+            <a:r>
+              <a:rPr lang="en-US" dirty="0"/>
+              <a:t>Legacy Databases</a:t>
+            </a:r>
+          </a:p>
+          <a:p>
+            <a:pPr marL="514350" indent="-514350">
+              <a:lnSpc>
+                <a:spcPct val="200000"/>
+              </a:lnSpc>
+              <a:buFont typeface="+mj-lt"/>
+              <a:buAutoNum type="arabicPeriod"/>
+            </a:pPr>
+            <a:r>
+              <a:rPr lang="en-US" dirty="0"/>
+              <a:t>Legacy runtime</a:t>
+            </a:r>
+          </a:p>
+        </p:txBody>
+      </p:sp>
+      <p:sp>
+        <p:nvSpPr>
+          <p:cNvPr id="4" name="Footer Placeholder 3">
+            <a:extLst>
+              <a:ext uri="{FF2B5EF4-FFF2-40B4-BE49-F238E27FC236}">
+                <a16:creationId xmlns:a16="http://schemas.microsoft.com/office/drawing/2014/main" id="{C37F99E1-F5C6-B7E3-BF1E-1B12E4BE4C54}"/>
+              </a:ext>
+            </a:extLst>
+          </p:cNvPr>
+          <p:cNvSpPr>
+            <a:spLocks noGrp="1"/>
+          </p:cNvSpPr>
+          <p:nvPr>
+            <p:ph type="ftr" sz="quarter" idx="11"/>
+          </p:nvPr>
+        </p:nvSpPr>
+        <p:spPr/>
+        <p:txBody>
+          <a:bodyPr/>
+          <a:lstStyle/>
+          <a:p>
+            <a:r>
+              <a:rPr lang="en-US"/>
+              <a:t>Challenegs of Cloud Migrations</a:t>
+            </a:r>
+          </a:p>
+        </p:txBody>
+      </p:sp>
+      <p:sp>
+        <p:nvSpPr>
+          <p:cNvPr id="5" name="Slide Number Placeholder 4">
+            <a:extLst>
+              <a:ext uri="{FF2B5EF4-FFF2-40B4-BE49-F238E27FC236}">
+                <a16:creationId xmlns:a16="http://schemas.microsoft.com/office/drawing/2014/main" id="{13C673ED-08D5-EDE7-4BFA-79B68072D703}"/>
+              </a:ext>
+            </a:extLst>
+          </p:cNvPr>
+          <p:cNvSpPr>
+            <a:spLocks noGrp="1"/>
+          </p:cNvSpPr>
+          <p:nvPr>
+            <p:ph type="sldNum" sz="quarter" idx="12"/>
+          </p:nvPr>
+        </p:nvSpPr>
+        <p:spPr/>
+        <p:txBody>
+          <a:bodyPr/>
+          <a:lstStyle/>
+          <a:p>
+            <a:fld id="{E996DDEE-35AA-41A0-A26C-AFECF61351E7}" type="slidenum">
+              <a:rPr lang="en-US" smtClean="0"/>
+              <a:t>6</a:t>
+            </a:fld>
+            <a:endParaRPr lang="en-US"/>
+          </a:p>
+        </p:txBody>
+      </p:sp>
+    </p:spTree>
+    <p:extLst>
+      <p:ext uri="{BB962C8B-B14F-4D97-AF65-F5344CB8AC3E}">
+        <p14:creationId xmlns:p14="http://schemas.microsoft.com/office/powerpoint/2010/main" val="244203201"/>
+      </p:ext>
+    </p:extLst>
+  </p:cSld>
+  <p:clrMapOvr>
+    <a:masterClrMapping/>
+  </p:clrMapOvr>
+</p:sld>
+</file>
+
+<file path=ppt/slides/slide7.xml><?xml version="1.0" encoding="utf-8"?>
+<p:sld xmlns:a="http://schemas.openxmlformats.org/drawingml/2006/main" xmlns:r="http://schemas.openxmlformats.org/officeDocument/2006/relationships" xmlns:p="http://schemas.openxmlformats.org/presentationml/2006/main">
+  <p:cSld>
+    <p:spTree>
+      <p:nvGrpSpPr>
+        <p:cNvPr id="1" name=""/>
+        <p:cNvGrpSpPr/>
+        <p:nvPr/>
+      </p:nvGrpSpPr>
+      <p:grpSpPr>
+        <a:xfrm>
+          <a:off x="0" y="0"/>
+          <a:ext cx="0" cy="0"/>
+          <a:chOff x="0" y="0"/>
+          <a:chExt cx="0" cy="0"/>
+        </a:xfrm>
+      </p:grpSpPr>
+      <p:sp>
+        <p:nvSpPr>
+          <p:cNvPr id="2" name="Title 1">
+            <a:extLst>
+              <a:ext uri="{FF2B5EF4-FFF2-40B4-BE49-F238E27FC236}">
+                <a16:creationId xmlns:a16="http://schemas.microsoft.com/office/drawing/2014/main" id="{254533FA-2C88-B92C-F7E6-A0E696BC7870}"/>
+              </a:ext>
+            </a:extLst>
+          </p:cNvPr>
+          <p:cNvSpPr>
+            <a:spLocks noGrp="1"/>
+          </p:cNvSpPr>
+          <p:nvPr>
+            <p:ph type="title"/>
+          </p:nvPr>
+        </p:nvSpPr>
+        <p:spPr/>
+        <p:txBody>
+          <a:bodyPr/>
+          <a:lstStyle/>
+          <a:p>
+            <a:r>
+              <a:rPr lang="en-US" dirty="0"/>
               <a:t>Legacy continues…</a:t>
             </a:r>
           </a:p>
@@ -11756,7 +12385,7 @@
           <a:p>
             <a:fld id="{E996DDEE-35AA-41A0-A26C-AFECF61351E7}" type="slidenum">
               <a:rPr lang="en-US" smtClean="0"/>
-              <a:t>6</a:t>
+              <a:t>7</a:t>
             </a:fld>
             <a:endParaRPr lang="en-US"/>
           </a:p>
@@ -11775,7 +12404,7 @@
 </p:sld>
 </file>
 
-<file path=ppt/slides/slide7.xml><?xml version="1.0" encoding="utf-8"?>
+<file path=ppt/slides/slide8.xml><?xml version="1.0" encoding="utf-8"?>
 <p:sld xmlns:a="http://schemas.openxmlformats.org/drawingml/2006/main" xmlns:r="http://schemas.openxmlformats.org/officeDocument/2006/relationships" xmlns:p="http://schemas.openxmlformats.org/presentationml/2006/main" show="0">
   <p:cSld>
     <p:spTree>
@@ -11906,7 +12535,7 @@
           <a:p>
             <a:fld id="{E996DDEE-35AA-41A0-A26C-AFECF61351E7}" type="slidenum">
               <a:rPr lang="en-US" smtClean="0"/>
-              <a:t>7</a:t>
+              <a:t>8</a:t>
             </a:fld>
             <a:endParaRPr lang="en-US"/>
           </a:p>
@@ -11916,149 +12545,6 @@
     <p:extLst>
       <p:ext uri="{BB962C8B-B14F-4D97-AF65-F5344CB8AC3E}">
         <p14:creationId xmlns:p14="http://schemas.microsoft.com/office/powerpoint/2010/main" val="3311040149"/>
-      </p:ext>
-    </p:extLst>
-  </p:cSld>
-  <p:clrMapOvr>
-    <a:masterClrMapping/>
-  </p:clrMapOvr>
-</p:sld>
-</file>
-
-<file path=ppt/slides/slide8.xml><?xml version="1.0" encoding="utf-8"?>
-<p:sld xmlns:a="http://schemas.openxmlformats.org/drawingml/2006/main" xmlns:r="http://schemas.openxmlformats.org/officeDocument/2006/relationships" xmlns:p="http://schemas.openxmlformats.org/presentationml/2006/main">
-  <p:cSld>
-    <p:spTree>
-      <p:nvGrpSpPr>
-        <p:cNvPr id="1" name=""/>
-        <p:cNvGrpSpPr/>
-        <p:nvPr/>
-      </p:nvGrpSpPr>
-      <p:grpSpPr>
-        <a:xfrm>
-          <a:off x="0" y="0"/>
-          <a:ext cx="0" cy="0"/>
-          <a:chOff x="0" y="0"/>
-          <a:chExt cx="0" cy="0"/>
-        </a:xfrm>
-      </p:grpSpPr>
-      <p:sp>
-        <p:nvSpPr>
-          <p:cNvPr id="6" name="Title 5">
-            <a:extLst>
-              <a:ext uri="{FF2B5EF4-FFF2-40B4-BE49-F238E27FC236}">
-                <a16:creationId xmlns:a16="http://schemas.microsoft.com/office/drawing/2014/main" id="{60B8E53B-9422-2CA3-0E91-7090B1303CBC}"/>
-              </a:ext>
-            </a:extLst>
-          </p:cNvPr>
-          <p:cNvSpPr>
-            <a:spLocks noGrp="1"/>
-          </p:cNvSpPr>
-          <p:nvPr>
-            <p:ph type="title"/>
-          </p:nvPr>
-        </p:nvSpPr>
-        <p:spPr/>
-        <p:txBody>
-          <a:bodyPr/>
-          <a:lstStyle/>
-          <a:p>
-            <a:r>
-              <a:rPr lang="en-US" dirty="0"/>
-              <a:t>Solutions…</a:t>
-            </a:r>
-          </a:p>
-        </p:txBody>
-      </p:sp>
-      <p:sp>
-        <p:nvSpPr>
-          <p:cNvPr id="7" name="Text Placeholder 6">
-            <a:extLst>
-              <a:ext uri="{FF2B5EF4-FFF2-40B4-BE49-F238E27FC236}">
-                <a16:creationId xmlns:a16="http://schemas.microsoft.com/office/drawing/2014/main" id="{2D626B93-A34C-D299-F79E-CEFF3AD2B9C4}"/>
-              </a:ext>
-            </a:extLst>
-          </p:cNvPr>
-          <p:cNvSpPr>
-            <a:spLocks noGrp="1"/>
-          </p:cNvSpPr>
-          <p:nvPr>
-            <p:ph type="body" idx="1"/>
-          </p:nvPr>
-        </p:nvSpPr>
-        <p:spPr/>
-        <p:txBody>
-          <a:bodyPr/>
-          <a:lstStyle/>
-          <a:p>
-            <a:r>
-              <a:rPr lang="en-US" dirty="0"/>
-              <a:t>There could be more…</a:t>
-            </a:r>
-          </a:p>
-        </p:txBody>
-      </p:sp>
-      <p:sp>
-        <p:nvSpPr>
-          <p:cNvPr id="4" name="Footer Placeholder 3">
-            <a:extLst>
-              <a:ext uri="{FF2B5EF4-FFF2-40B4-BE49-F238E27FC236}">
-                <a16:creationId xmlns:a16="http://schemas.microsoft.com/office/drawing/2014/main" id="{303C4998-27F0-DB8D-A790-97906DD9C9C0}"/>
-              </a:ext>
-            </a:extLst>
-          </p:cNvPr>
-          <p:cNvSpPr>
-            <a:spLocks noGrp="1"/>
-          </p:cNvSpPr>
-          <p:nvPr>
-            <p:ph type="ftr" sz="quarter" idx="11"/>
-          </p:nvPr>
-        </p:nvSpPr>
-        <p:spPr/>
-        <p:txBody>
-          <a:bodyPr/>
-          <a:lstStyle/>
-          <a:p>
-            <a:r>
-              <a:rPr lang="en-US"/>
-              <a:t>Challenegs of Cloud Migrations</a:t>
-            </a:r>
-          </a:p>
-        </p:txBody>
-      </p:sp>
-      <p:sp>
-        <p:nvSpPr>
-          <p:cNvPr id="5" name="Slide Number Placeholder 4">
-            <a:extLst>
-              <a:ext uri="{FF2B5EF4-FFF2-40B4-BE49-F238E27FC236}">
-                <a16:creationId xmlns:a16="http://schemas.microsoft.com/office/drawing/2014/main" id="{9E37A4E0-DC5C-36C1-FF09-9BDA0186159D}"/>
-              </a:ext>
-            </a:extLst>
-          </p:cNvPr>
-          <p:cNvSpPr>
-            <a:spLocks noGrp="1"/>
-          </p:cNvSpPr>
-          <p:nvPr>
-            <p:ph type="sldNum" sz="quarter" idx="12"/>
-          </p:nvPr>
-        </p:nvSpPr>
-        <p:spPr/>
-        <p:txBody>
-          <a:bodyPr/>
-          <a:lstStyle/>
-          <a:p>
-            <a:fld id="{E996DDEE-35AA-41A0-A26C-AFECF61351E7}" type="slidenum">
-              <a:rPr lang="en-US" smtClean="0"/>
-              <a:t>8</a:t>
-            </a:fld>
-            <a:endParaRPr lang="en-US"/>
-          </a:p>
-        </p:txBody>
-      </p:sp>
-    </p:spTree>
-    <p:extLst>
-      <p:ext uri="{BB962C8B-B14F-4D97-AF65-F5344CB8AC3E}">
-        <p14:creationId xmlns:p14="http://schemas.microsoft.com/office/powerpoint/2010/main" val="2667313925"/>
       </p:ext>
     </p:extLst>
   </p:cSld>
@@ -12087,10 +12573,10 @@
       </p:grpSpPr>
       <p:sp>
         <p:nvSpPr>
-          <p:cNvPr id="2" name="Title 1">
-            <a:extLst>
-              <a:ext uri="{FF2B5EF4-FFF2-40B4-BE49-F238E27FC236}">
-                <a16:creationId xmlns:a16="http://schemas.microsoft.com/office/drawing/2014/main" id="{254533FA-2C88-B92C-F7E6-A0E696BC7870}"/>
+          <p:cNvPr id="6" name="Title 5">
+            <a:extLst>
+              <a:ext uri="{FF2B5EF4-FFF2-40B4-BE49-F238E27FC236}">
+                <a16:creationId xmlns:a16="http://schemas.microsoft.com/office/drawing/2014/main" id="{60B8E53B-9422-2CA3-0E91-7090B1303CBC}"/>
               </a:ext>
             </a:extLst>
           </p:cNvPr>
@@ -12108,25 +12594,25 @@
           <a:p>
             <a:r>
               <a:rPr lang="en-US" dirty="0"/>
-              <a:t>Industry and Compliance</a:t>
-            </a:r>
-          </a:p>
-        </p:txBody>
-      </p:sp>
-      <p:sp>
-        <p:nvSpPr>
-          <p:cNvPr id="3" name="Content Placeholder 2">
-            <a:extLst>
-              <a:ext uri="{FF2B5EF4-FFF2-40B4-BE49-F238E27FC236}">
-                <a16:creationId xmlns:a16="http://schemas.microsoft.com/office/drawing/2014/main" id="{83A40941-C855-6F5A-F98D-48BAA84D548C}"/>
-              </a:ext>
-            </a:extLst>
-          </p:cNvPr>
-          <p:cNvSpPr>
-            <a:spLocks noGrp="1"/>
-          </p:cNvSpPr>
-          <p:nvPr>
-            <p:ph idx="1"/>
+              <a:t>Solutions…</a:t>
+            </a:r>
+          </a:p>
+        </p:txBody>
+      </p:sp>
+      <p:sp>
+        <p:nvSpPr>
+          <p:cNvPr id="7" name="Text Placeholder 6">
+            <a:extLst>
+              <a:ext uri="{FF2B5EF4-FFF2-40B4-BE49-F238E27FC236}">
+                <a16:creationId xmlns:a16="http://schemas.microsoft.com/office/drawing/2014/main" id="{2D626B93-A34C-D299-F79E-CEFF3AD2B9C4}"/>
+              </a:ext>
+            </a:extLst>
+          </p:cNvPr>
+          <p:cNvSpPr>
+            <a:spLocks noGrp="1"/>
+          </p:cNvSpPr>
+          <p:nvPr>
+            <p:ph type="body" idx="1"/>
           </p:nvPr>
         </p:nvSpPr>
         <p:spPr/>
@@ -12134,40 +12620,10 @@
           <a:bodyPr/>
           <a:lstStyle/>
           <a:p>
-            <a:pPr marL="514350" indent="-514350">
-              <a:lnSpc>
-                <a:spcPct val="200000"/>
-              </a:lnSpc>
-              <a:buFont typeface="+mj-lt"/>
-              <a:buAutoNum type="arabicPeriod"/>
-            </a:pPr>
             <a:r>
               <a:rPr lang="en-US" dirty="0"/>
-              <a:t>Compliance Certification</a:t>
-            </a:r>
-          </a:p>
-          <a:p>
-            <a:pPr marL="514350" indent="-514350">
-              <a:lnSpc>
-                <a:spcPct val="200000"/>
-              </a:lnSpc>
-              <a:buFont typeface="+mj-lt"/>
-              <a:buAutoNum type="arabicPeriod"/>
-            </a:pPr>
-            <a:r>
-              <a:rPr lang="en-US" dirty="0"/>
-              <a:t>InfoSec is your friend in this journey</a:t>
-            </a:r>
-          </a:p>
-          <a:p>
-            <a:pPr marL="514350" indent="-514350">
-              <a:lnSpc>
-                <a:spcPct val="200000"/>
-              </a:lnSpc>
-              <a:buFont typeface="+mj-lt"/>
-              <a:buAutoNum type="arabicPeriod"/>
-            </a:pPr>
-            <a:endParaRPr lang="en-US" dirty="0"/>
+              <a:t>There could be more…</a:t>
+            </a:r>
           </a:p>
         </p:txBody>
       </p:sp>
@@ -12176,7 +12632,7 @@
           <p:cNvPr id="4" name="Footer Placeholder 3">
             <a:extLst>
               <a:ext uri="{FF2B5EF4-FFF2-40B4-BE49-F238E27FC236}">
-                <a16:creationId xmlns:a16="http://schemas.microsoft.com/office/drawing/2014/main" id="{C37F99E1-F5C6-B7E3-BF1E-1B12E4BE4C54}"/>
+                <a16:creationId xmlns:a16="http://schemas.microsoft.com/office/drawing/2014/main" id="{303C4998-27F0-DB8D-A790-97906DD9C9C0}"/>
               </a:ext>
             </a:extLst>
           </p:cNvPr>
@@ -12204,7 +12660,7 @@
           <p:cNvPr id="5" name="Slide Number Placeholder 4">
             <a:extLst>
               <a:ext uri="{FF2B5EF4-FFF2-40B4-BE49-F238E27FC236}">
-                <a16:creationId xmlns:a16="http://schemas.microsoft.com/office/drawing/2014/main" id="{13C673ED-08D5-EDE7-4BFA-79B68072D703}"/>
+                <a16:creationId xmlns:a16="http://schemas.microsoft.com/office/drawing/2014/main" id="{9E37A4E0-DC5C-36C1-FF09-9BDA0186159D}"/>
               </a:ext>
             </a:extLst>
           </p:cNvPr>
@@ -12231,7 +12687,7 @@
     </p:spTree>
     <p:extLst>
       <p:ext uri="{BB962C8B-B14F-4D97-AF65-F5344CB8AC3E}">
-        <p14:creationId xmlns:p14="http://schemas.microsoft.com/office/powerpoint/2010/main" val="1186489050"/>
+        <p14:creationId xmlns:p14="http://schemas.microsoft.com/office/powerpoint/2010/main" val="2667313925"/>
       </p:ext>
     </p:extLst>
   </p:cSld>

--- a/slides/Challenges-of-Cloud-Migrations-Aug22.pptx
+++ b/slides/Challenges-of-Cloud-Migrations-Aug22.pptx
@@ -708,7 +708,7 @@
   <pc:docChgLst>
     <pc:chgData name="Wriju Ghosh" userId="93330360-ec5c-4afd-b5e4-d283febfe7a2" providerId="ADAL" clId="{01F56114-1E88-4CB3-B71C-D72FCC2DC752}"/>
     <pc:docChg chg="custSel addSld delSld modSld sldOrd">
-      <pc:chgData name="Wriju Ghosh" userId="93330360-ec5c-4afd-b5e4-d283febfe7a2" providerId="ADAL" clId="{01F56114-1E88-4CB3-B71C-D72FCC2DC752}" dt="2022-08-05T08:02:30.786" v="2189" actId="20577"/>
+      <pc:chgData name="Wriju Ghosh" userId="93330360-ec5c-4afd-b5e4-d283febfe7a2" providerId="ADAL" clId="{01F56114-1E88-4CB3-B71C-D72FCC2DC752}" dt="2022-08-05T13:29:01.664" v="2202" actId="6549"/>
       <pc:docMkLst>
         <pc:docMk/>
       </pc:docMkLst>
@@ -724,6 +724,21 @@
             <pc:docMk/>
             <pc:sldMk cId="1296609067" sldId="257"/>
             <ac:spMk id="3" creationId="{83A40941-C855-6F5A-F98D-48BAA84D548C}"/>
+          </ac:spMkLst>
+        </pc:spChg>
+      </pc:sldChg>
+      <pc:sldChg chg="modSp mod">
+        <pc:chgData name="Wriju Ghosh" userId="93330360-ec5c-4afd-b5e4-d283febfe7a2" providerId="ADAL" clId="{01F56114-1E88-4CB3-B71C-D72FCC2DC752}" dt="2022-08-05T12:27:03.915" v="2196" actId="20577"/>
+        <pc:sldMkLst>
+          <pc:docMk/>
+          <pc:sldMk cId="223986113" sldId="259"/>
+        </pc:sldMkLst>
+        <pc:spChg chg="mod">
+          <ac:chgData name="Wriju Ghosh" userId="93330360-ec5c-4afd-b5e4-d283febfe7a2" providerId="ADAL" clId="{01F56114-1E88-4CB3-B71C-D72FCC2DC752}" dt="2022-08-05T12:27:03.915" v="2196" actId="20577"/>
+          <ac:spMkLst>
+            <pc:docMk/>
+            <pc:sldMk cId="223986113" sldId="259"/>
+            <ac:spMk id="2" creationId="{C2902BF3-CE91-B4E8-EA23-9A59F9340C0E}"/>
           </ac:spMkLst>
         </pc:spChg>
       </pc:sldChg>
@@ -781,7 +796,7 @@
         </pc:spChg>
       </pc:sldChg>
       <pc:sldChg chg="modSp mod">
-        <pc:chgData name="Wriju Ghosh" userId="93330360-ec5c-4afd-b5e4-d283febfe7a2" providerId="ADAL" clId="{01F56114-1E88-4CB3-B71C-D72FCC2DC752}" dt="2022-08-02T10:22:40.022" v="940" actId="20577"/>
+        <pc:chgData name="Wriju Ghosh" userId="93330360-ec5c-4afd-b5e4-d283febfe7a2" providerId="ADAL" clId="{01F56114-1E88-4CB3-B71C-D72FCC2DC752}" dt="2022-08-05T13:29:01.664" v="2202" actId="6549"/>
         <pc:sldMkLst>
           <pc:docMk/>
           <pc:sldMk cId="1399489534" sldId="263"/>
@@ -795,7 +810,7 @@
           </ac:spMkLst>
         </pc:spChg>
         <pc:spChg chg="mod">
-          <ac:chgData name="Wriju Ghosh" userId="93330360-ec5c-4afd-b5e4-d283febfe7a2" providerId="ADAL" clId="{01F56114-1E88-4CB3-B71C-D72FCC2DC752}" dt="2022-08-02T10:22:40.022" v="940" actId="20577"/>
+          <ac:chgData name="Wriju Ghosh" userId="93330360-ec5c-4afd-b5e4-d283febfe7a2" providerId="ADAL" clId="{01F56114-1E88-4CB3-B71C-D72FCC2DC752}" dt="2022-08-05T13:29:01.664" v="2202" actId="6549"/>
           <ac:spMkLst>
             <pc:docMk/>
             <pc:sldMk cId="1399489534" sldId="263"/>
@@ -7499,8 +7514,12 @@
               <a:buAutoNum type="arabicPeriod"/>
             </a:pPr>
             <a:r>
+              <a:rPr lang="en-US"/>
+              <a:t>Alerts </a:t>
+            </a:r>
+            <a:r>
               <a:rPr lang="en-US" dirty="0"/>
-              <a:t>Alters and notification with Automation</a:t>
+              <a:t>and notification with Automation</a:t>
             </a:r>
           </a:p>
         </p:txBody>
@@ -10424,17 +10443,6 @@
           <a:p>
             <a:pPr algn="ctr"/>
             <a:r>
-              <a:rPr lang="en-US" kern="1200" dirty="0" err="1">
-                <a:solidFill>
-                  <a:schemeClr val="tx1"/>
-                </a:solidFill>
-                <a:latin typeface="+mj-lt"/>
-                <a:ea typeface="+mj-ea"/>
-                <a:cs typeface="+mj-cs"/>
-              </a:rPr>
-              <a:t>Piete</a:t>
-            </a:r>
-            <a:r>
               <a:rPr lang="en-US" kern="1200" dirty="0">
                 <a:solidFill>
                   <a:schemeClr val="tx1"/>
@@ -10443,7 +10451,7 @@
                 <a:ea typeface="+mj-ea"/>
                 <a:cs typeface="+mj-cs"/>
               </a:rPr>
-              <a:t> Mandarin</a:t>
+              <a:t>Piet Mondrian</a:t>
             </a:r>
             <a:br>
               <a:rPr lang="en-US" kern="1200" dirty="0">
